--- a/NET Training.pptx
+++ b/NET Training.pptx
@@ -5,7 +5,7 @@
     <p:sldMasterId id="2147483660" r:id="rId1"/>
   </p:sldMasterIdLst>
   <p:notesMasterIdLst>
-    <p:notesMasterId r:id="rId31"/>
+    <p:notesMasterId r:id="rId48"/>
   </p:notesMasterIdLst>
   <p:sldIdLst>
     <p:sldId id="256" r:id="rId2"/>
@@ -37,6 +37,23 @@
     <p:sldId id="283" r:id="rId28"/>
     <p:sldId id="284" r:id="rId29"/>
     <p:sldId id="285" r:id="rId30"/>
+    <p:sldId id="286" r:id="rId31"/>
+    <p:sldId id="287" r:id="rId32"/>
+    <p:sldId id="288" r:id="rId33"/>
+    <p:sldId id="289" r:id="rId34"/>
+    <p:sldId id="290" r:id="rId35"/>
+    <p:sldId id="291" r:id="rId36"/>
+    <p:sldId id="292" r:id="rId37"/>
+    <p:sldId id="293" r:id="rId38"/>
+    <p:sldId id="294" r:id="rId39"/>
+    <p:sldId id="295" r:id="rId40"/>
+    <p:sldId id="296" r:id="rId41"/>
+    <p:sldId id="297" r:id="rId42"/>
+    <p:sldId id="298" r:id="rId43"/>
+    <p:sldId id="299" r:id="rId44"/>
+    <p:sldId id="301" r:id="rId45"/>
+    <p:sldId id="300" r:id="rId46"/>
+    <p:sldId id="302" r:id="rId47"/>
   </p:sldIdLst>
   <p:sldSz cx="12192000" cy="6858000"/>
   <p:notesSz cx="6858000" cy="9144000"/>
@@ -228,7 +245,7 @@
           <a:p>
             <a:fld id="{B6DD89F9-952A-4DA0-B31B-4F694701A417}" type="datetimeFigureOut">
               <a:rPr lang="en-IN" smtClean="0"/>
-              <a:t>04-09-2019</a:t>
+              <a:t>09-09-2019</a:t>
             </a:fld>
             <a:endParaRPr lang="en-IN"/>
           </a:p>
@@ -580,6 +597,209 @@
 </p:notes>
 </file>
 
+<file path=ppt/notesSlides/notesSlide10.xml><?xml version="1.0" encoding="utf-8"?>
+<p:notes xmlns:a="http://schemas.openxmlformats.org/drawingml/2006/main" xmlns:r="http://schemas.openxmlformats.org/officeDocument/2006/relationships" xmlns:p="http://schemas.openxmlformats.org/presentationml/2006/main">
+  <p:cSld>
+    <p:spTree>
+      <p:nvGrpSpPr>
+        <p:cNvPr id="1" name=""/>
+        <p:cNvGrpSpPr/>
+        <p:nvPr/>
+      </p:nvGrpSpPr>
+      <p:grpSpPr>
+        <a:xfrm>
+          <a:off x="0" y="0"/>
+          <a:ext cx="0" cy="0"/>
+          <a:chOff x="0" y="0"/>
+          <a:chExt cx="0" cy="0"/>
+        </a:xfrm>
+      </p:grpSpPr>
+      <p:sp>
+        <p:nvSpPr>
+          <p:cNvPr id="2" name="Slide Image Placeholder 1"/>
+          <p:cNvSpPr>
+            <a:spLocks noGrp="1" noRot="1" noChangeAspect="1"/>
+          </p:cNvSpPr>
+          <p:nvPr>
+            <p:ph type="sldImg"/>
+          </p:nvPr>
+        </p:nvSpPr>
+        <p:spPr/>
+      </p:sp>
+      <p:sp>
+        <p:nvSpPr>
+          <p:cNvPr id="3" name="Notes Placeholder 2"/>
+          <p:cNvSpPr>
+            <a:spLocks noGrp="1"/>
+          </p:cNvSpPr>
+          <p:nvPr>
+            <p:ph type="body" idx="1"/>
+          </p:nvPr>
+        </p:nvSpPr>
+        <p:spPr/>
+        <p:txBody>
+          <a:bodyPr/>
+          <a:lstStyle/>
+          <a:p>
+            <a:r>
+              <a:rPr lang="en-IN" dirty="0"/>
+              <a:t>Scripts that are executed on the Browser is called Client side scripting. </a:t>
+            </a:r>
+          </a:p>
+          <a:p>
+            <a:pPr marL="171450" indent="-171450">
+              <a:buFont typeface="Arial" panose="020B0604020202020204" pitchFamily="34" charset="0"/>
+              <a:buChar char="•"/>
+            </a:pPr>
+            <a:r>
+              <a:rPr lang="en-IN" dirty="0"/>
+              <a:t>Client Side scripting gives User responsive pages. </a:t>
+            </a:r>
+          </a:p>
+          <a:p>
+            <a:pPr marL="171450" indent="-171450">
+              <a:buFont typeface="Arial" panose="020B0604020202020204" pitchFamily="34" charset="0"/>
+              <a:buChar char="•"/>
+            </a:pPr>
+            <a:r>
+              <a:rPr lang="en-IN" dirty="0"/>
+              <a:t>Its fast and user specific. </a:t>
+            </a:r>
+          </a:p>
+          <a:p>
+            <a:pPr marL="171450" indent="-171450">
+              <a:buFont typeface="Arial" panose="020B0604020202020204" pitchFamily="34" charset="0"/>
+              <a:buChar char="•"/>
+            </a:pPr>
+            <a:r>
+              <a:rPr lang="en-IN" dirty="0"/>
+              <a:t>As it runs in the browser, the Browser should support that scripting language. </a:t>
+            </a:r>
+          </a:p>
+          <a:p>
+            <a:pPr marL="171450" indent="-171450">
+              <a:buFont typeface="Arial" panose="020B0604020202020204" pitchFamily="34" charset="0"/>
+              <a:buChar char="•"/>
+            </a:pPr>
+            <a:r>
+              <a:rPr lang="en-IN" dirty="0"/>
+              <a:t>Browsers use interpreters to process the scripting content.</a:t>
+            </a:r>
+          </a:p>
+          <a:p>
+            <a:pPr marL="171450" indent="-171450">
+              <a:buFont typeface="Arial" panose="020B0604020202020204" pitchFamily="34" charset="0"/>
+              <a:buChar char="•"/>
+            </a:pPr>
+            <a:r>
+              <a:rPr lang="en-IN" dirty="0"/>
+              <a:t>JavaScript(JS) is the most popular Client side Scripting language in the Web World. </a:t>
+            </a:r>
+          </a:p>
+          <a:p>
+            <a:r>
+              <a:rPr lang="en-IN" dirty="0"/>
+              <a:t>Scripts that are executed in the Web server is called Server side scripting.</a:t>
+            </a:r>
+          </a:p>
+          <a:p>
+            <a:pPr marL="171450" indent="-171450">
+              <a:buFont typeface="Arial" panose="020B0604020202020204" pitchFamily="34" charset="0"/>
+              <a:buChar char="•"/>
+            </a:pPr>
+            <a:r>
+              <a:rPr lang="en-IN" dirty="0"/>
+              <a:t>Server Scripting language is based on Technology that is used like .NET, Java, Open Source and many more. </a:t>
+            </a:r>
+          </a:p>
+          <a:p>
+            <a:pPr marL="171450" indent="-171450">
+              <a:buFont typeface="Arial" panose="020B0604020202020204" pitchFamily="34" charset="0"/>
+              <a:buChar char="•"/>
+            </a:pPr>
+            <a:r>
+              <a:rPr lang="en-IN" dirty="0"/>
+              <a:t>All the server side scripting languages follow http for content transferring. </a:t>
+            </a:r>
+          </a:p>
+          <a:p>
+            <a:pPr marL="171450" indent="-171450">
+              <a:buFont typeface="Arial" panose="020B0604020202020204" pitchFamily="34" charset="0"/>
+              <a:buChar char="•"/>
+            </a:pPr>
+            <a:r>
+              <a:rPr lang="en-IN" dirty="0"/>
+              <a:t>They use objects to interact b/w the Client Browser and the Server. </a:t>
+            </a:r>
+          </a:p>
+          <a:p>
+            <a:pPr marL="171450" indent="-171450">
+              <a:buFont typeface="Arial" panose="020B0604020202020204" pitchFamily="34" charset="0"/>
+              <a:buChar char="•"/>
+            </a:pPr>
+            <a:r>
+              <a:rPr lang="en-IN" dirty="0"/>
+              <a:t>Request, Response, Server, Session, Application are some of the commonly available objects to interact with server and browsers. </a:t>
+            </a:r>
+          </a:p>
+          <a:p>
+            <a:pPr marL="171450" indent="-171450">
+              <a:buFont typeface="Arial" panose="020B0604020202020204" pitchFamily="34" charset="0"/>
+              <a:buChar char="•"/>
+            </a:pPr>
+            <a:r>
+              <a:rPr lang="en-IN" dirty="0"/>
+              <a:t>Programmers use these objects in their code to share the data, content b/w the Browses and Servers.</a:t>
+            </a:r>
+          </a:p>
+          <a:p>
+            <a:pPr marL="171450" indent="-171450">
+              <a:buFont typeface="Arial" panose="020B0604020202020204" pitchFamily="34" charset="0"/>
+              <a:buChar char="•"/>
+            </a:pPr>
+            <a:r>
+              <a:rPr lang="en-IN" dirty="0"/>
+              <a:t>ASP.NET is the server side technology for developing Web Apps. In this MVC is one of the Frameworks for developing Web Apps based on the UI Design pattern called MODEL-VIEW-CONTROLLER. </a:t>
+            </a:r>
+          </a:p>
+        </p:txBody>
+      </p:sp>
+      <p:sp>
+        <p:nvSpPr>
+          <p:cNvPr id="4" name="Slide Number Placeholder 3"/>
+          <p:cNvSpPr>
+            <a:spLocks noGrp="1"/>
+          </p:cNvSpPr>
+          <p:nvPr>
+            <p:ph type="sldNum" sz="quarter" idx="10"/>
+          </p:nvPr>
+        </p:nvSpPr>
+        <p:spPr/>
+        <p:txBody>
+          <a:bodyPr/>
+          <a:lstStyle/>
+          <a:p>
+            <a:fld id="{22493976-3A44-4854-A115-047A811D8595}" type="slidenum">
+              <a:rPr lang="en-IN" smtClean="0"/>
+              <a:t>37</a:t>
+            </a:fld>
+            <a:endParaRPr lang="en-IN"/>
+          </a:p>
+        </p:txBody>
+      </p:sp>
+    </p:spTree>
+    <p:extLst>
+      <p:ext uri="{BB962C8B-B14F-4D97-AF65-F5344CB8AC3E}">
+        <p14:creationId xmlns:p14="http://schemas.microsoft.com/office/powerpoint/2010/main" val="987964449"/>
+      </p:ext>
+    </p:extLst>
+  </p:cSld>
+  <p:clrMapOvr>
+    <a:masterClrMapping/>
+  </p:clrMapOvr>
+</p:notes>
+</file>
+
 <file path=ppt/notesSlides/notesSlide2.xml><?xml version="1.0" encoding="utf-8"?>
 <p:notes xmlns:a="http://schemas.openxmlformats.org/drawingml/2006/main" xmlns:r="http://schemas.openxmlformats.org/officeDocument/2006/relationships" xmlns:p="http://schemas.openxmlformats.org/presentationml/2006/main">
   <p:cSld>
@@ -1300,6 +1520,90 @@
     <p:extLst>
       <p:ext uri="{BB962C8B-B14F-4D97-AF65-F5344CB8AC3E}">
         <p14:creationId xmlns:p14="http://schemas.microsoft.com/office/powerpoint/2010/main" val="4017672269"/>
+      </p:ext>
+    </p:extLst>
+  </p:cSld>
+  <p:clrMapOvr>
+    <a:masterClrMapping/>
+  </p:clrMapOvr>
+</p:notes>
+</file>
+
+<file path=ppt/notesSlides/notesSlide9.xml><?xml version="1.0" encoding="utf-8"?>
+<p:notes xmlns:a="http://schemas.openxmlformats.org/drawingml/2006/main" xmlns:r="http://schemas.openxmlformats.org/officeDocument/2006/relationships" xmlns:p="http://schemas.openxmlformats.org/presentationml/2006/main">
+  <p:cSld>
+    <p:spTree>
+      <p:nvGrpSpPr>
+        <p:cNvPr id="1" name=""/>
+        <p:cNvGrpSpPr/>
+        <p:nvPr/>
+      </p:nvGrpSpPr>
+      <p:grpSpPr>
+        <a:xfrm>
+          <a:off x="0" y="0"/>
+          <a:ext cx="0" cy="0"/>
+          <a:chOff x="0" y="0"/>
+          <a:chExt cx="0" cy="0"/>
+        </a:xfrm>
+      </p:grpSpPr>
+      <p:sp>
+        <p:nvSpPr>
+          <p:cNvPr id="2" name="Slide Image Placeholder 1"/>
+          <p:cNvSpPr>
+            <a:spLocks noGrp="1" noRot="1" noChangeAspect="1"/>
+          </p:cNvSpPr>
+          <p:nvPr>
+            <p:ph type="sldImg"/>
+          </p:nvPr>
+        </p:nvSpPr>
+        <p:spPr/>
+      </p:sp>
+      <p:sp>
+        <p:nvSpPr>
+          <p:cNvPr id="3" name="Notes Placeholder 2"/>
+          <p:cNvSpPr>
+            <a:spLocks noGrp="1"/>
+          </p:cNvSpPr>
+          <p:nvPr>
+            <p:ph type="body" idx="1"/>
+          </p:nvPr>
+        </p:nvSpPr>
+        <p:spPr/>
+        <p:txBody>
+          <a:bodyPr/>
+          <a:lstStyle/>
+          <a:p>
+            <a:endParaRPr lang="en-IN"/>
+          </a:p>
+        </p:txBody>
+      </p:sp>
+      <p:sp>
+        <p:nvSpPr>
+          <p:cNvPr id="4" name="Slide Number Placeholder 3"/>
+          <p:cNvSpPr>
+            <a:spLocks noGrp="1"/>
+          </p:cNvSpPr>
+          <p:nvPr>
+            <p:ph type="sldNum" sz="quarter" idx="10"/>
+          </p:nvPr>
+        </p:nvSpPr>
+        <p:spPr/>
+        <p:txBody>
+          <a:bodyPr/>
+          <a:lstStyle/>
+          <a:p>
+            <a:fld id="{22493976-3A44-4854-A115-047A811D8595}" type="slidenum">
+              <a:rPr lang="en-IN" smtClean="0"/>
+              <a:t>30</a:t>
+            </a:fld>
+            <a:endParaRPr lang="en-IN"/>
+          </a:p>
+        </p:txBody>
+      </p:sp>
+    </p:spTree>
+    <p:extLst>
+      <p:ext uri="{BB962C8B-B14F-4D97-AF65-F5344CB8AC3E}">
+        <p14:creationId xmlns:p14="http://schemas.microsoft.com/office/powerpoint/2010/main" val="2470756341"/>
       </p:ext>
     </p:extLst>
   </p:cSld>
@@ -1535,7 +1839,7 @@
           <a:p>
             <a:fld id="{C764DE79-268F-4C1A-8933-263129D2AF90}" type="datetimeFigureOut">
               <a:rPr lang="en-US" smtClean="0"/>
-              <a:t>9/4/2019</a:t>
+              <a:t>9/9/2019</a:t>
             </a:fld>
             <a:endParaRPr lang="en-US" dirty="0"/>
           </a:p>
@@ -1743,7 +2047,7 @@
           <a:p>
             <a:fld id="{C764DE79-268F-4C1A-8933-263129D2AF90}" type="datetimeFigureOut">
               <a:rPr lang="en-US" smtClean="0"/>
-              <a:t>9/4/2019</a:t>
+              <a:t>9/9/2019</a:t>
             </a:fld>
             <a:endParaRPr lang="en-US" dirty="0"/>
           </a:p>
@@ -1999,7 +2303,7 @@
           <a:p>
             <a:fld id="{C764DE79-268F-4C1A-8933-263129D2AF90}" type="datetimeFigureOut">
               <a:rPr lang="en-US" smtClean="0"/>
-              <a:t>9/4/2019</a:t>
+              <a:t>9/9/2019</a:t>
             </a:fld>
             <a:endParaRPr lang="en-US" dirty="0"/>
           </a:p>
@@ -2173,7 +2477,7 @@
           <a:p>
             <a:fld id="{C764DE79-268F-4C1A-8933-263129D2AF90}" type="datetimeFigureOut">
               <a:rPr lang="en-US" smtClean="0"/>
-              <a:t>9/4/2019</a:t>
+              <a:t>9/9/2019</a:t>
             </a:fld>
             <a:endParaRPr lang="en-US" dirty="0"/>
           </a:p>
@@ -2516,7 +2820,7 @@
           <a:p>
             <a:fld id="{C764DE79-268F-4C1A-8933-263129D2AF90}" type="datetimeFigureOut">
               <a:rPr lang="en-US" smtClean="0"/>
-              <a:t>9/4/2019</a:t>
+              <a:t>9/9/2019</a:t>
             </a:fld>
             <a:endParaRPr lang="en-US" dirty="0"/>
           </a:p>
@@ -2791,7 +3095,7 @@
           <a:p>
             <a:fld id="{C764DE79-268F-4C1A-8933-263129D2AF90}" type="datetimeFigureOut">
               <a:rPr lang="en-US" smtClean="0"/>
-              <a:t>9/4/2019</a:t>
+              <a:t>9/9/2019</a:t>
             </a:fld>
             <a:endParaRPr lang="en-US" dirty="0"/>
           </a:p>
@@ -3170,7 +3474,7 @@
           <a:p>
             <a:fld id="{C764DE79-268F-4C1A-8933-263129D2AF90}" type="datetimeFigureOut">
               <a:rPr lang="en-US" smtClean="0"/>
-              <a:t>9/4/2019</a:t>
+              <a:t>9/9/2019</a:t>
             </a:fld>
             <a:endParaRPr lang="en-US" dirty="0"/>
           </a:p>
@@ -3288,7 +3592,7 @@
           <a:p>
             <a:fld id="{C764DE79-268F-4C1A-8933-263129D2AF90}" type="datetimeFigureOut">
               <a:rPr lang="en-US" smtClean="0"/>
-              <a:t>9/4/2019</a:t>
+              <a:t>9/9/2019</a:t>
             </a:fld>
             <a:endParaRPr lang="en-US" dirty="0"/>
           </a:p>
@@ -3459,7 +3763,7 @@
           <a:p>
             <a:fld id="{C764DE79-268F-4C1A-8933-263129D2AF90}" type="datetimeFigureOut">
               <a:rPr lang="en-US" smtClean="0"/>
-              <a:t>9/4/2019</a:t>
+              <a:t>9/9/2019</a:t>
             </a:fld>
             <a:endParaRPr lang="en-US" dirty="0"/>
           </a:p>
@@ -3813,7 +4117,7 @@
           <a:p>
             <a:fld id="{C764DE79-268F-4C1A-8933-263129D2AF90}" type="datetimeFigureOut">
               <a:rPr lang="en-US" smtClean="0"/>
-              <a:t>9/4/2019</a:t>
+              <a:t>9/9/2019</a:t>
             </a:fld>
             <a:endParaRPr lang="en-US" dirty="0"/>
           </a:p>
@@ -4195,7 +4499,7 @@
           <a:p>
             <a:fld id="{C764DE79-268F-4C1A-8933-263129D2AF90}" type="datetimeFigureOut">
               <a:rPr lang="en-US" smtClean="0"/>
-              <a:t>9/4/2019</a:t>
+              <a:t>9/9/2019</a:t>
             </a:fld>
             <a:endParaRPr lang="en-US" dirty="0"/>
           </a:p>
@@ -4482,7 +4786,7 @@
           <a:p>
             <a:fld id="{C764DE79-268F-4C1A-8933-263129D2AF90}" type="datetimeFigureOut">
               <a:rPr lang="en-US" smtClean="0"/>
-              <a:t>9/4/2019</a:t>
+              <a:t>9/9/2019</a:t>
             </a:fld>
             <a:endParaRPr lang="en-US" dirty="0"/>
           </a:p>
@@ -8252,13 +8556,8 @@
           <a:p>
             <a:r>
               <a:rPr lang="en-IN" dirty="0"/>
-              <a:t>Commands and </a:t>
-            </a:r>
-            <a:r>
-              <a:rPr lang="en-IN"/>
-              <a:t>Resources for better UI Look and Feel.   </a:t>
-            </a:r>
-            <a:endParaRPr lang="en-IN" dirty="0"/>
+              <a:t>Commands and Resources for better UI Look and Feel.   </a:t>
+            </a:r>
           </a:p>
         </p:txBody>
       </p:sp>
@@ -8789,6 +9088,1531 @@
 </p:sld>
 </file>
 
+<file path=ppt/slides/slide30.xml><?xml version="1.0" encoding="utf-8"?>
+<p:sld xmlns:a="http://schemas.openxmlformats.org/drawingml/2006/main" xmlns:r="http://schemas.openxmlformats.org/officeDocument/2006/relationships" xmlns:p="http://schemas.openxmlformats.org/presentationml/2006/main">
+  <p:cSld>
+    <p:spTree>
+      <p:nvGrpSpPr>
+        <p:cNvPr id="1" name=""/>
+        <p:cNvGrpSpPr/>
+        <p:nvPr/>
+      </p:nvGrpSpPr>
+      <p:grpSpPr>
+        <a:xfrm>
+          <a:off x="0" y="0"/>
+          <a:ext cx="0" cy="0"/>
+          <a:chOff x="0" y="0"/>
+          <a:chExt cx="0" cy="0"/>
+        </a:xfrm>
+      </p:grpSpPr>
+      <p:sp>
+        <p:nvSpPr>
+          <p:cNvPr id="2" name="Title 1">
+            <a:extLst>
+              <a:ext uri="{FF2B5EF4-FFF2-40B4-BE49-F238E27FC236}">
+                <a16:creationId xmlns:a16="http://schemas.microsoft.com/office/drawing/2014/main" id="{001B535D-FB71-409B-899C-0BFAFAC58AE6}"/>
+              </a:ext>
+            </a:extLst>
+          </p:cNvPr>
+          <p:cNvSpPr>
+            <a:spLocks noGrp="1"/>
+          </p:cNvSpPr>
+          <p:nvPr>
+            <p:ph type="title"/>
+          </p:nvPr>
+        </p:nvSpPr>
+        <p:spPr/>
+        <p:txBody>
+          <a:bodyPr/>
+          <a:lstStyle/>
+          <a:p>
+            <a:r>
+              <a:rPr lang="en-IN" dirty="0"/>
+              <a:t>XAML</a:t>
+            </a:r>
+          </a:p>
+        </p:txBody>
+      </p:sp>
+      <p:sp>
+        <p:nvSpPr>
+          <p:cNvPr id="3" name="Content Placeholder 2">
+            <a:extLst>
+              <a:ext uri="{FF2B5EF4-FFF2-40B4-BE49-F238E27FC236}">
+                <a16:creationId xmlns:a16="http://schemas.microsoft.com/office/drawing/2014/main" id="{EC328EBF-EDAF-4B48-9BB7-83A47BC76819}"/>
+              </a:ext>
+            </a:extLst>
+          </p:cNvPr>
+          <p:cNvSpPr>
+            <a:spLocks noGrp="1"/>
+          </p:cNvSpPr>
+          <p:nvPr>
+            <p:ph idx="1"/>
+          </p:nvPr>
+        </p:nvSpPr>
+        <p:spPr/>
+        <p:txBody>
+          <a:bodyPr/>
+          <a:lstStyle/>
+          <a:p>
+            <a:r>
+              <a:rPr lang="en-IN" dirty="0"/>
+              <a:t>XML based </a:t>
+            </a:r>
+            <a:r>
+              <a:rPr lang="en-IN" dirty="0" err="1"/>
+              <a:t>Markup</a:t>
+            </a:r>
+            <a:r>
+              <a:rPr lang="en-IN" dirty="0"/>
+              <a:t> language for UI development. </a:t>
+            </a:r>
+          </a:p>
+          <a:p>
+            <a:r>
+              <a:rPr lang="en-IN" dirty="0"/>
+              <a:t>Cleanly separates the UI(XML Based) and the Code behind(C# or any programming language)</a:t>
+            </a:r>
+          </a:p>
+          <a:p>
+            <a:r>
+              <a:rPr lang="en-IN" dirty="0"/>
+              <a:t>XAML Files are saved as .</a:t>
+            </a:r>
+            <a:r>
+              <a:rPr lang="en-IN" dirty="0" err="1"/>
+              <a:t>xaml</a:t>
+            </a:r>
+            <a:endParaRPr lang="en-IN" dirty="0"/>
+          </a:p>
+          <a:p>
+            <a:r>
+              <a:rPr lang="en-IN" dirty="0"/>
+              <a:t>Pronounced as ZAMMEL. </a:t>
+            </a:r>
+          </a:p>
+          <a:p>
+            <a:r>
+              <a:rPr lang="en-IN" dirty="0"/>
+              <a:t>Mark-up languages makes UI faster and develop innovative Components. </a:t>
+            </a:r>
+          </a:p>
+          <a:p>
+            <a:r>
+              <a:rPr lang="en-IN" dirty="0"/>
+              <a:t>XAML files will be compiled by the WPF and converted to BAML(Binary </a:t>
+            </a:r>
+            <a:r>
+              <a:rPr lang="en-IN" dirty="0" err="1"/>
+              <a:t>Markup</a:t>
+            </a:r>
+            <a:r>
+              <a:rPr lang="en-IN" dirty="0"/>
+              <a:t> Language) files that will be the part of Assembly Resources. At runtime, these files will be converted into OOP UI Components and displayed. </a:t>
+            </a:r>
+          </a:p>
+          <a:p>
+            <a:r>
+              <a:rPr lang="en-IN" dirty="0"/>
+              <a:t>XAML allows Classes created in .NET Languages to be used as elements of the Application. U can mix App based Classes in Mark-ups </a:t>
+            </a:r>
+            <a:r>
+              <a:rPr lang="en-IN" dirty="0" err="1"/>
+              <a:t>hense</a:t>
+            </a:r>
+            <a:r>
+              <a:rPr lang="en-IN" dirty="0"/>
+              <a:t> the name, Application </a:t>
+            </a:r>
+            <a:r>
+              <a:rPr lang="en-IN" dirty="0" err="1"/>
+              <a:t>Markup</a:t>
+            </a:r>
+            <a:r>
+              <a:rPr lang="en-IN" dirty="0"/>
+              <a:t> language</a:t>
+            </a:r>
+          </a:p>
+        </p:txBody>
+      </p:sp>
+    </p:spTree>
+    <p:extLst>
+      <p:ext uri="{BB962C8B-B14F-4D97-AF65-F5344CB8AC3E}">
+        <p14:creationId xmlns:p14="http://schemas.microsoft.com/office/powerpoint/2010/main" val="2291544683"/>
+      </p:ext>
+    </p:extLst>
+  </p:cSld>
+  <p:clrMapOvr>
+    <a:masterClrMapping/>
+  </p:clrMapOvr>
+</p:sld>
+</file>
+
+<file path=ppt/slides/slide31.xml><?xml version="1.0" encoding="utf-8"?>
+<p:sld xmlns:a="http://schemas.openxmlformats.org/drawingml/2006/main" xmlns:r="http://schemas.openxmlformats.org/officeDocument/2006/relationships" xmlns:p="http://schemas.openxmlformats.org/presentationml/2006/main">
+  <p:cSld>
+    <p:spTree>
+      <p:nvGrpSpPr>
+        <p:cNvPr id="1" name=""/>
+        <p:cNvGrpSpPr/>
+        <p:nvPr/>
+      </p:nvGrpSpPr>
+      <p:grpSpPr>
+        <a:xfrm>
+          <a:off x="0" y="0"/>
+          <a:ext cx="0" cy="0"/>
+          <a:chOff x="0" y="0"/>
+          <a:chExt cx="0" cy="0"/>
+        </a:xfrm>
+      </p:grpSpPr>
+      <p:sp>
+        <p:nvSpPr>
+          <p:cNvPr id="2" name="Title 1">
+            <a:extLst>
+              <a:ext uri="{FF2B5EF4-FFF2-40B4-BE49-F238E27FC236}">
+                <a16:creationId xmlns:a16="http://schemas.microsoft.com/office/drawing/2014/main" id="{2247A6AE-7D0C-4448-8BE7-79A38D0F1710}"/>
+              </a:ext>
+            </a:extLst>
+          </p:cNvPr>
+          <p:cNvSpPr>
+            <a:spLocks noGrp="1"/>
+          </p:cNvSpPr>
+          <p:nvPr>
+            <p:ph type="title"/>
+          </p:nvPr>
+        </p:nvSpPr>
+        <p:spPr/>
+        <p:txBody>
+          <a:bodyPr/>
+          <a:lstStyle/>
+          <a:p>
+            <a:r>
+              <a:rPr lang="en-IN" dirty="0"/>
+              <a:t>Controls of WPF</a:t>
+            </a:r>
+          </a:p>
+        </p:txBody>
+      </p:sp>
+      <p:sp>
+        <p:nvSpPr>
+          <p:cNvPr id="3" name="Content Placeholder 2">
+            <a:extLst>
+              <a:ext uri="{FF2B5EF4-FFF2-40B4-BE49-F238E27FC236}">
+                <a16:creationId xmlns:a16="http://schemas.microsoft.com/office/drawing/2014/main" id="{B1AED19A-16D7-4723-8FA0-705706CBF09E}"/>
+              </a:ext>
+            </a:extLst>
+          </p:cNvPr>
+          <p:cNvSpPr>
+            <a:spLocks noGrp="1"/>
+          </p:cNvSpPr>
+          <p:nvPr>
+            <p:ph idx="1"/>
+          </p:nvPr>
+        </p:nvSpPr>
+        <p:spPr>
+          <a:xfrm>
+            <a:off x="1097280" y="1845734"/>
+            <a:ext cx="10161270" cy="4459816"/>
+          </a:xfrm>
+        </p:spPr>
+        <p:txBody>
+          <a:bodyPr>
+            <a:normAutofit fontScale="92500" lnSpcReduction="10000"/>
+          </a:bodyPr>
+          <a:lstStyle/>
+          <a:p>
+            <a:r>
+              <a:rPr lang="en-IN" dirty="0"/>
+              <a:t>Content Controls</a:t>
+            </a:r>
+          </a:p>
+          <a:p>
+            <a:pPr lvl="1"/>
+            <a:r>
+              <a:rPr lang="en-IN" dirty="0"/>
+              <a:t>Content Property.</a:t>
+            </a:r>
+          </a:p>
+          <a:p>
+            <a:pPr lvl="1"/>
+            <a:r>
+              <a:rPr lang="en-IN" dirty="0"/>
+              <a:t>They can hold only one top level element within it. </a:t>
+            </a:r>
+          </a:p>
+          <a:p>
+            <a:r>
+              <a:rPr lang="en-IN" dirty="0"/>
+              <a:t>Container Controls</a:t>
+            </a:r>
+          </a:p>
+          <a:p>
+            <a:pPr lvl="1"/>
+            <a:r>
+              <a:rPr lang="en-IN" dirty="0"/>
+              <a:t>Designed to hold multiple controls in them. </a:t>
+            </a:r>
+          </a:p>
+          <a:p>
+            <a:pPr lvl="1"/>
+            <a:r>
+              <a:rPr lang="en-IN" dirty="0"/>
+              <a:t>Panels: </a:t>
+            </a:r>
+            <a:r>
+              <a:rPr lang="en-IN" dirty="0" err="1"/>
+              <a:t>StackPanel</a:t>
+            </a:r>
+            <a:r>
+              <a:rPr lang="en-IN" dirty="0"/>
+              <a:t>, </a:t>
+            </a:r>
+            <a:r>
+              <a:rPr lang="en-IN" dirty="0" err="1"/>
+              <a:t>DockPanel</a:t>
+            </a:r>
+            <a:r>
+              <a:rPr lang="en-IN" dirty="0"/>
+              <a:t>, </a:t>
+            </a:r>
+            <a:r>
+              <a:rPr lang="en-IN" dirty="0" err="1"/>
+              <a:t>WrapPanel</a:t>
+            </a:r>
+            <a:r>
+              <a:rPr lang="en-IN" dirty="0"/>
+              <a:t>, Grid Panel, Canvas Panel.</a:t>
+            </a:r>
+          </a:p>
+          <a:p>
+            <a:r>
+              <a:rPr lang="en-IN" dirty="0"/>
+              <a:t>Panels will have content controls in them. Type of the Panel is decided based on what U want to achieve. </a:t>
+            </a:r>
+          </a:p>
+          <a:p>
+            <a:r>
+              <a:rPr lang="en-IN" dirty="0" err="1"/>
+              <a:t>StackPanel</a:t>
+            </a:r>
+            <a:r>
+              <a:rPr lang="en-IN" dirty="0"/>
+              <a:t>: Placing controls one beside or one above the other with uniform Gap. </a:t>
+            </a:r>
+          </a:p>
+          <a:p>
+            <a:r>
+              <a:rPr lang="en-IN" dirty="0" err="1"/>
+              <a:t>WrapPanel</a:t>
+            </a:r>
+            <a:r>
+              <a:rPr lang="en-IN" dirty="0"/>
+              <a:t>: Similar to </a:t>
+            </a:r>
+            <a:r>
+              <a:rPr lang="en-IN" dirty="0" err="1"/>
+              <a:t>StackPanel</a:t>
+            </a:r>
+            <a:r>
+              <a:rPr lang="en-IN" dirty="0"/>
+              <a:t> but will allow the controls to Wrap if the Window is </a:t>
+            </a:r>
+            <a:r>
+              <a:rPr lang="en-IN" dirty="0" err="1"/>
+              <a:t>shrinked</a:t>
+            </a:r>
+            <a:r>
+              <a:rPr lang="en-IN" dirty="0"/>
+              <a:t>.</a:t>
+            </a:r>
+          </a:p>
+          <a:p>
+            <a:r>
+              <a:rPr lang="en-IN" dirty="0" err="1"/>
+              <a:t>GridPanel</a:t>
+            </a:r>
+            <a:r>
+              <a:rPr lang="en-IN" dirty="0"/>
+              <a:t>: Used to place the controls in a tabular Rows and Columns for better alignment. </a:t>
+            </a:r>
+          </a:p>
+          <a:p>
+            <a:r>
+              <a:rPr lang="en-IN" dirty="0" err="1"/>
+              <a:t>DockPanel</a:t>
+            </a:r>
+            <a:r>
+              <a:rPr lang="en-IN" dirty="0"/>
+              <a:t>: Allows to controls to Dock the elements either top, left, right or bottom of the Window </a:t>
+            </a:r>
+          </a:p>
+        </p:txBody>
+      </p:sp>
+    </p:spTree>
+    <p:extLst>
+      <p:ext uri="{BB962C8B-B14F-4D97-AF65-F5344CB8AC3E}">
+        <p14:creationId xmlns:p14="http://schemas.microsoft.com/office/powerpoint/2010/main" val="1469290779"/>
+      </p:ext>
+    </p:extLst>
+  </p:cSld>
+  <p:clrMapOvr>
+    <a:masterClrMapping/>
+  </p:clrMapOvr>
+</p:sld>
+</file>
+
+<file path=ppt/slides/slide32.xml><?xml version="1.0" encoding="utf-8"?>
+<p:sld xmlns:a="http://schemas.openxmlformats.org/drawingml/2006/main" xmlns:r="http://schemas.openxmlformats.org/officeDocument/2006/relationships" xmlns:p="http://schemas.openxmlformats.org/presentationml/2006/main">
+  <p:cSld>
+    <p:spTree>
+      <p:nvGrpSpPr>
+        <p:cNvPr id="1" name=""/>
+        <p:cNvGrpSpPr/>
+        <p:nvPr/>
+      </p:nvGrpSpPr>
+      <p:grpSpPr>
+        <a:xfrm>
+          <a:off x="0" y="0"/>
+          <a:ext cx="0" cy="0"/>
+          <a:chOff x="0" y="0"/>
+          <a:chExt cx="0" cy="0"/>
+        </a:xfrm>
+      </p:grpSpPr>
+      <p:sp>
+        <p:nvSpPr>
+          <p:cNvPr id="2" name="Title 1">
+            <a:extLst>
+              <a:ext uri="{FF2B5EF4-FFF2-40B4-BE49-F238E27FC236}">
+                <a16:creationId xmlns:a16="http://schemas.microsoft.com/office/drawing/2014/main" id="{8C5BEAC6-44F6-4395-A631-D712A60A4854}"/>
+              </a:ext>
+            </a:extLst>
+          </p:cNvPr>
+          <p:cNvSpPr>
+            <a:spLocks noGrp="1"/>
+          </p:cNvSpPr>
+          <p:nvPr>
+            <p:ph type="title"/>
+          </p:nvPr>
+        </p:nvSpPr>
+        <p:spPr/>
+        <p:txBody>
+          <a:bodyPr/>
+          <a:lstStyle/>
+          <a:p>
+            <a:r>
+              <a:rPr lang="en-IN" dirty="0"/>
+              <a:t>Entity Framework</a:t>
+            </a:r>
+          </a:p>
+        </p:txBody>
+      </p:sp>
+      <p:sp>
+        <p:nvSpPr>
+          <p:cNvPr id="3" name="Content Placeholder 2">
+            <a:extLst>
+              <a:ext uri="{FF2B5EF4-FFF2-40B4-BE49-F238E27FC236}">
+                <a16:creationId xmlns:a16="http://schemas.microsoft.com/office/drawing/2014/main" id="{514A49EC-1E93-4267-A73B-02C29132E89E}"/>
+              </a:ext>
+            </a:extLst>
+          </p:cNvPr>
+          <p:cNvSpPr>
+            <a:spLocks noGrp="1"/>
+          </p:cNvSpPr>
+          <p:nvPr>
+            <p:ph idx="1"/>
+          </p:nvPr>
+        </p:nvSpPr>
+        <p:spPr/>
+        <p:txBody>
+          <a:bodyPr/>
+          <a:lstStyle/>
+          <a:p>
+            <a:r>
+              <a:rPr lang="en-IN" dirty="0"/>
+              <a:t>New Framework for Database Programming.</a:t>
+            </a:r>
+          </a:p>
+          <a:p>
+            <a:r>
+              <a:rPr lang="en-IN" dirty="0"/>
+              <a:t>Does not use SQL Statements. </a:t>
+            </a:r>
+          </a:p>
+          <a:p>
+            <a:r>
+              <a:rPr lang="en-IN" dirty="0"/>
+              <a:t>Converts the data into objects. </a:t>
+            </a:r>
+          </a:p>
+          <a:p>
+            <a:r>
+              <a:rPr lang="en-IN" dirty="0"/>
+              <a:t>Table of the database becomes Class.</a:t>
+            </a:r>
+          </a:p>
+          <a:p>
+            <a:r>
+              <a:rPr lang="en-IN" dirty="0"/>
+              <a:t>Columns will become properties. Rows become objects of the class.</a:t>
+            </a:r>
+          </a:p>
+          <a:p>
+            <a:r>
+              <a:rPr lang="en-IN" dirty="0" err="1"/>
+              <a:t>DataContext</a:t>
+            </a:r>
+            <a:r>
+              <a:rPr lang="en-IN" dirty="0"/>
+              <a:t> class will create the link b/w the database and the Collection objects. </a:t>
+            </a:r>
+          </a:p>
+          <a:p>
+            <a:r>
+              <a:rPr lang="en-IN" dirty="0" err="1"/>
+              <a:t>System.Data.EntityFramework</a:t>
+            </a:r>
+            <a:r>
+              <a:rPr lang="en-IN" dirty="0"/>
+              <a:t> namespace contains the </a:t>
+            </a:r>
+            <a:r>
+              <a:rPr lang="en-IN" dirty="0" err="1"/>
+              <a:t>DataContext</a:t>
+            </a:r>
+            <a:r>
+              <a:rPr lang="en-IN" dirty="0"/>
+              <a:t> class which is used to perform the CRUD operations on the database.</a:t>
+            </a:r>
+          </a:p>
+        </p:txBody>
+      </p:sp>
+    </p:spTree>
+    <p:extLst>
+      <p:ext uri="{BB962C8B-B14F-4D97-AF65-F5344CB8AC3E}">
+        <p14:creationId xmlns:p14="http://schemas.microsoft.com/office/powerpoint/2010/main" val="2111040851"/>
+      </p:ext>
+    </p:extLst>
+  </p:cSld>
+  <p:clrMapOvr>
+    <a:masterClrMapping/>
+  </p:clrMapOvr>
+</p:sld>
+</file>
+
+<file path=ppt/slides/slide33.xml><?xml version="1.0" encoding="utf-8"?>
+<p:sld xmlns:a="http://schemas.openxmlformats.org/drawingml/2006/main" xmlns:r="http://schemas.openxmlformats.org/officeDocument/2006/relationships" xmlns:p="http://schemas.openxmlformats.org/presentationml/2006/main">
+  <p:cSld>
+    <p:spTree>
+      <p:nvGrpSpPr>
+        <p:cNvPr id="1" name=""/>
+        <p:cNvGrpSpPr/>
+        <p:nvPr/>
+      </p:nvGrpSpPr>
+      <p:grpSpPr>
+        <a:xfrm>
+          <a:off x="0" y="0"/>
+          <a:ext cx="0" cy="0"/>
+          <a:chOff x="0" y="0"/>
+          <a:chExt cx="0" cy="0"/>
+        </a:xfrm>
+      </p:grpSpPr>
+      <p:sp>
+        <p:nvSpPr>
+          <p:cNvPr id="2" name="Title 1">
+            <a:extLst>
+              <a:ext uri="{FF2B5EF4-FFF2-40B4-BE49-F238E27FC236}">
+                <a16:creationId xmlns:a16="http://schemas.microsoft.com/office/drawing/2014/main" id="{9B304C29-995D-45C2-99F8-4308F9D87499}"/>
+              </a:ext>
+            </a:extLst>
+          </p:cNvPr>
+          <p:cNvSpPr>
+            <a:spLocks noGrp="1"/>
+          </p:cNvSpPr>
+          <p:nvPr>
+            <p:ph type="title"/>
+          </p:nvPr>
+        </p:nvSpPr>
+        <p:spPr/>
+        <p:txBody>
+          <a:bodyPr/>
+          <a:lstStyle/>
+          <a:p>
+            <a:r>
+              <a:rPr lang="en-IN" dirty="0" err="1"/>
+              <a:t>DataContext</a:t>
+            </a:r>
+            <a:endParaRPr lang="en-IN" dirty="0"/>
+          </a:p>
+        </p:txBody>
+      </p:sp>
+      <p:sp>
+        <p:nvSpPr>
+          <p:cNvPr id="3" name="Content Placeholder 2">
+            <a:extLst>
+              <a:ext uri="{FF2B5EF4-FFF2-40B4-BE49-F238E27FC236}">
+                <a16:creationId xmlns:a16="http://schemas.microsoft.com/office/drawing/2014/main" id="{FEEA7652-B22A-46B5-98E1-1330306B81B8}"/>
+              </a:ext>
+            </a:extLst>
+          </p:cNvPr>
+          <p:cNvSpPr>
+            <a:spLocks noGrp="1"/>
+          </p:cNvSpPr>
+          <p:nvPr>
+            <p:ph idx="1"/>
+          </p:nvPr>
+        </p:nvSpPr>
+        <p:spPr/>
+        <p:txBody>
+          <a:bodyPr/>
+          <a:lstStyle/>
+          <a:p>
+            <a:r>
+              <a:rPr lang="en-IN" dirty="0" err="1"/>
+              <a:t>System.Data.Entity.DBContext</a:t>
+            </a:r>
+            <a:r>
+              <a:rPr lang="en-IN" dirty="0"/>
+              <a:t>.</a:t>
+            </a:r>
+          </a:p>
+          <a:p>
+            <a:r>
+              <a:rPr lang="en-IN" dirty="0"/>
+              <a:t>Data stored as </a:t>
+            </a:r>
+            <a:r>
+              <a:rPr lang="en-IN" dirty="0" err="1"/>
+              <a:t>DbSet</a:t>
+            </a:r>
+            <a:r>
+              <a:rPr lang="en-IN" dirty="0"/>
+              <a:t>&lt;T&gt; and represented as property.</a:t>
+            </a:r>
+          </a:p>
+          <a:p>
+            <a:pPr lvl="1"/>
+            <a:r>
+              <a:rPr lang="en-IN" dirty="0"/>
+              <a:t>It’s a Set, so UR Table must have Primary Key. </a:t>
+            </a:r>
+          </a:p>
+          <a:p>
+            <a:pPr lvl="1"/>
+            <a:r>
+              <a:rPr lang="en-IN" dirty="0"/>
+              <a:t>Pluralized name of the Table. </a:t>
+            </a:r>
+          </a:p>
+          <a:p>
+            <a:r>
+              <a:rPr lang="en-IN" dirty="0"/>
+              <a:t>Add, Remove methods used to add and remove from </a:t>
+            </a:r>
+            <a:r>
+              <a:rPr lang="en-IN" dirty="0" err="1"/>
+              <a:t>DbSet</a:t>
+            </a:r>
+            <a:r>
+              <a:rPr lang="en-IN" dirty="0"/>
+              <a:t>.</a:t>
+            </a:r>
+          </a:p>
+          <a:p>
+            <a:r>
+              <a:rPr lang="en-IN" dirty="0" err="1"/>
+              <a:t>SaveChanges</a:t>
+            </a:r>
+            <a:r>
+              <a:rPr lang="en-IN" dirty="0"/>
+              <a:t> updates to the database.</a:t>
+            </a:r>
+          </a:p>
+          <a:p>
+            <a:r>
+              <a:rPr lang="en-IN" dirty="0"/>
+              <a:t>Any changes made to the database after the EDMX is created, should be reloaded into the EDMX by updating the schema from the database.</a:t>
+            </a:r>
+          </a:p>
+          <a:p>
+            <a:r>
+              <a:rPr lang="en-IN" dirty="0"/>
+              <a:t>To explore: Code First Approach vs. Database First Approach. </a:t>
+            </a:r>
+          </a:p>
+        </p:txBody>
+      </p:sp>
+    </p:spTree>
+    <p:extLst>
+      <p:ext uri="{BB962C8B-B14F-4D97-AF65-F5344CB8AC3E}">
+        <p14:creationId xmlns:p14="http://schemas.microsoft.com/office/powerpoint/2010/main" val="3699807332"/>
+      </p:ext>
+    </p:extLst>
+  </p:cSld>
+  <p:clrMapOvr>
+    <a:masterClrMapping/>
+  </p:clrMapOvr>
+</p:sld>
+</file>
+
+<file path=ppt/slides/slide34.xml><?xml version="1.0" encoding="utf-8"?>
+<p:sld xmlns:a="http://schemas.openxmlformats.org/drawingml/2006/main" xmlns:r="http://schemas.openxmlformats.org/officeDocument/2006/relationships" xmlns:p="http://schemas.openxmlformats.org/presentationml/2006/main">
+  <p:cSld>
+    <p:spTree>
+      <p:nvGrpSpPr>
+        <p:cNvPr id="1" name=""/>
+        <p:cNvGrpSpPr/>
+        <p:nvPr/>
+      </p:nvGrpSpPr>
+      <p:grpSpPr>
+        <a:xfrm>
+          <a:off x="0" y="0"/>
+          <a:ext cx="0" cy="0"/>
+          <a:chOff x="0" y="0"/>
+          <a:chExt cx="0" cy="0"/>
+        </a:xfrm>
+      </p:grpSpPr>
+      <p:sp>
+        <p:nvSpPr>
+          <p:cNvPr id="2" name="Title 1">
+            <a:extLst>
+              <a:ext uri="{FF2B5EF4-FFF2-40B4-BE49-F238E27FC236}">
+                <a16:creationId xmlns:a16="http://schemas.microsoft.com/office/drawing/2014/main" id="{CFDF43BE-0473-4187-ACD8-C1DDB476C55C}"/>
+              </a:ext>
+            </a:extLst>
+          </p:cNvPr>
+          <p:cNvSpPr>
+            <a:spLocks noGrp="1"/>
+          </p:cNvSpPr>
+          <p:nvPr>
+            <p:ph type="title"/>
+          </p:nvPr>
+        </p:nvSpPr>
+        <p:spPr/>
+        <p:txBody>
+          <a:bodyPr/>
+          <a:lstStyle/>
+          <a:p>
+            <a:r>
+              <a:rPr lang="en-IN" dirty="0"/>
+              <a:t>ASP.NET MVC.</a:t>
+            </a:r>
+          </a:p>
+        </p:txBody>
+      </p:sp>
+      <p:sp>
+        <p:nvSpPr>
+          <p:cNvPr id="3" name="Content Placeholder 2">
+            <a:extLst>
+              <a:ext uri="{FF2B5EF4-FFF2-40B4-BE49-F238E27FC236}">
+                <a16:creationId xmlns:a16="http://schemas.microsoft.com/office/drawing/2014/main" id="{5446CA7A-01A0-4783-837A-FDD53F3D8FF4}"/>
+              </a:ext>
+            </a:extLst>
+          </p:cNvPr>
+          <p:cNvSpPr>
+            <a:spLocks noGrp="1"/>
+          </p:cNvSpPr>
+          <p:nvPr>
+            <p:ph idx="1"/>
+          </p:nvPr>
+        </p:nvSpPr>
+        <p:spPr/>
+        <p:txBody>
+          <a:bodyPr/>
+          <a:lstStyle/>
+          <a:p>
+            <a:r>
+              <a:rPr lang="en-IN" dirty="0"/>
+              <a:t>ASP.NET is the technology for developing web based Applications in .NET.</a:t>
+            </a:r>
+          </a:p>
+          <a:p>
+            <a:r>
+              <a:rPr lang="en-IN" dirty="0"/>
+              <a:t>Web Forms are the older version of creating Web Applications in .NET</a:t>
+            </a:r>
+          </a:p>
+          <a:p>
+            <a:r>
+              <a:rPr lang="en-IN" dirty="0"/>
+              <a:t>MVC is the new way of developing Web Applications. </a:t>
+            </a:r>
+          </a:p>
+          <a:p>
+            <a:r>
+              <a:rPr lang="en-IN" dirty="0"/>
+              <a:t>Model-View-Controller. </a:t>
+            </a:r>
+          </a:p>
+          <a:p>
+            <a:r>
+              <a:rPr lang="en-IN" dirty="0"/>
+              <a:t>Data is called as Model(What U want to show).</a:t>
+            </a:r>
+          </a:p>
+          <a:p>
+            <a:r>
+              <a:rPr lang="en-IN" dirty="0"/>
+              <a:t>View is the presentation(How U want to show).</a:t>
+            </a:r>
+          </a:p>
+          <a:p>
+            <a:r>
+              <a:rPr lang="en-IN" dirty="0"/>
+              <a:t>Controller is the manager of the Applications that gets and pushes the data into the View. </a:t>
+            </a:r>
+          </a:p>
+          <a:p>
+            <a:endParaRPr lang="en-IN" dirty="0"/>
+          </a:p>
+        </p:txBody>
+      </p:sp>
+    </p:spTree>
+    <p:extLst>
+      <p:ext uri="{BB962C8B-B14F-4D97-AF65-F5344CB8AC3E}">
+        <p14:creationId xmlns:p14="http://schemas.microsoft.com/office/powerpoint/2010/main" val="4063662702"/>
+      </p:ext>
+    </p:extLst>
+  </p:cSld>
+  <p:clrMapOvr>
+    <a:masterClrMapping/>
+  </p:clrMapOvr>
+</p:sld>
+</file>
+
+<file path=ppt/slides/slide35.xml><?xml version="1.0" encoding="utf-8"?>
+<p:sld xmlns:a="http://schemas.openxmlformats.org/drawingml/2006/main" xmlns:r="http://schemas.openxmlformats.org/officeDocument/2006/relationships" xmlns:p="http://schemas.openxmlformats.org/presentationml/2006/main">
+  <p:cSld>
+    <p:spTree>
+      <p:nvGrpSpPr>
+        <p:cNvPr id="1" name=""/>
+        <p:cNvGrpSpPr/>
+        <p:nvPr/>
+      </p:nvGrpSpPr>
+      <p:grpSpPr>
+        <a:xfrm>
+          <a:off x="0" y="0"/>
+          <a:ext cx="0" cy="0"/>
+          <a:chOff x="0" y="0"/>
+          <a:chExt cx="0" cy="0"/>
+        </a:xfrm>
+      </p:grpSpPr>
+      <p:sp>
+        <p:nvSpPr>
+          <p:cNvPr id="2" name="Title 1">
+            <a:extLst>
+              <a:ext uri="{FF2B5EF4-FFF2-40B4-BE49-F238E27FC236}">
+                <a16:creationId xmlns:a16="http://schemas.microsoft.com/office/drawing/2014/main" id="{E83071E3-DBEF-448A-9C6A-3E5BF78F80F7}"/>
+              </a:ext>
+            </a:extLst>
+          </p:cNvPr>
+          <p:cNvSpPr>
+            <a:spLocks noGrp="1"/>
+          </p:cNvSpPr>
+          <p:nvPr>
+            <p:ph type="title"/>
+          </p:nvPr>
+        </p:nvSpPr>
+        <p:spPr/>
+        <p:txBody>
+          <a:bodyPr/>
+          <a:lstStyle/>
+          <a:p>
+            <a:r>
+              <a:rPr lang="en-IN" dirty="0"/>
+              <a:t>Model View Controller</a:t>
+            </a:r>
+          </a:p>
+        </p:txBody>
+      </p:sp>
+      <p:sp>
+        <p:nvSpPr>
+          <p:cNvPr id="3" name="Content Placeholder 2">
+            <a:extLst>
+              <a:ext uri="{FF2B5EF4-FFF2-40B4-BE49-F238E27FC236}">
+                <a16:creationId xmlns:a16="http://schemas.microsoft.com/office/drawing/2014/main" id="{A374CD62-DAE7-4761-8326-2B82CDD81C89}"/>
+              </a:ext>
+            </a:extLst>
+          </p:cNvPr>
+          <p:cNvSpPr>
+            <a:spLocks noGrp="1"/>
+          </p:cNvSpPr>
+          <p:nvPr>
+            <p:ph idx="1"/>
+          </p:nvPr>
+        </p:nvSpPr>
+        <p:spPr/>
+        <p:txBody>
+          <a:bodyPr/>
+          <a:lstStyle/>
+          <a:p>
+            <a:r>
+              <a:rPr lang="en-IN" dirty="0"/>
+              <a:t>Design pattern based on Separation of concerns.</a:t>
+            </a:r>
+          </a:p>
+          <a:p>
+            <a:r>
+              <a:rPr lang="en-IN" dirty="0"/>
+              <a:t>Views are what the user sees on the browser. </a:t>
+            </a:r>
+          </a:p>
+          <a:p>
+            <a:r>
+              <a:rPr lang="en-IN" dirty="0"/>
+              <a:t>Models are data that are to be displayed. Models are usually stored in the databases and are retrieved thro ORM Frameworks like Entity and LINQ.</a:t>
+            </a:r>
+          </a:p>
+          <a:p>
+            <a:r>
+              <a:rPr lang="en-IN" dirty="0"/>
+              <a:t>Controllers are classes implementing </a:t>
+            </a:r>
+            <a:r>
+              <a:rPr lang="en-IN" dirty="0" err="1"/>
+              <a:t>IController</a:t>
+            </a:r>
+            <a:r>
+              <a:rPr lang="en-IN" dirty="0"/>
+              <a:t> interface.</a:t>
+            </a:r>
+          </a:p>
+          <a:p>
+            <a:pPr lvl="1"/>
+            <a:r>
+              <a:rPr lang="en-IN" dirty="0"/>
+              <a:t>Actions are methods that fetch the data and push the data into the View. </a:t>
+            </a:r>
+          </a:p>
+          <a:p>
+            <a:pPr lvl="1"/>
+            <a:r>
+              <a:rPr lang="en-IN" dirty="0"/>
+              <a:t>Action methods return objects are derived from </a:t>
+            </a:r>
+            <a:r>
+              <a:rPr lang="en-IN" dirty="0" err="1"/>
+              <a:t>ActionResult</a:t>
+            </a:r>
+            <a:r>
+              <a:rPr lang="en-IN" dirty="0"/>
+              <a:t> class.</a:t>
+            </a:r>
+          </a:p>
+          <a:p>
+            <a:r>
+              <a:rPr lang="en-IN" dirty="0"/>
+              <a:t>Views are created as .CSHTML</a:t>
+            </a:r>
+          </a:p>
+          <a:p>
+            <a:pPr lvl="1"/>
+            <a:r>
+              <a:rPr lang="en-IN" dirty="0" err="1"/>
+              <a:t>CSharp</a:t>
+            </a:r>
+            <a:r>
+              <a:rPr lang="en-IN" dirty="0"/>
+              <a:t> + HTML.</a:t>
+            </a:r>
+          </a:p>
+          <a:p>
+            <a:pPr lvl="1"/>
+            <a:r>
+              <a:rPr lang="en-IN" dirty="0"/>
+              <a:t>Razor syntax: Syntax for creating CSHTML Files.    </a:t>
+            </a:r>
+          </a:p>
+        </p:txBody>
+      </p:sp>
+    </p:spTree>
+    <p:extLst>
+      <p:ext uri="{BB962C8B-B14F-4D97-AF65-F5344CB8AC3E}">
+        <p14:creationId xmlns:p14="http://schemas.microsoft.com/office/powerpoint/2010/main" val="4016987862"/>
+      </p:ext>
+    </p:extLst>
+  </p:cSld>
+  <p:clrMapOvr>
+    <a:masterClrMapping/>
+  </p:clrMapOvr>
+</p:sld>
+</file>
+
+<file path=ppt/slides/slide36.xml><?xml version="1.0" encoding="utf-8"?>
+<p:sld xmlns:a="http://schemas.openxmlformats.org/drawingml/2006/main" xmlns:r="http://schemas.openxmlformats.org/officeDocument/2006/relationships" xmlns:p="http://schemas.openxmlformats.org/presentationml/2006/main">
+  <p:cSld>
+    <p:spTree>
+      <p:nvGrpSpPr>
+        <p:cNvPr id="1" name=""/>
+        <p:cNvGrpSpPr/>
+        <p:nvPr/>
+      </p:nvGrpSpPr>
+      <p:grpSpPr>
+        <a:xfrm>
+          <a:off x="0" y="0"/>
+          <a:ext cx="0" cy="0"/>
+          <a:chOff x="0" y="0"/>
+          <a:chExt cx="0" cy="0"/>
+        </a:xfrm>
+      </p:grpSpPr>
+      <p:sp>
+        <p:nvSpPr>
+          <p:cNvPr id="2" name="Title 1">
+            <a:extLst>
+              <a:ext uri="{FF2B5EF4-FFF2-40B4-BE49-F238E27FC236}">
+                <a16:creationId xmlns:a16="http://schemas.microsoft.com/office/drawing/2014/main" id="{9B54B111-4033-4F21-A4FD-CF0652198929}"/>
+              </a:ext>
+            </a:extLst>
+          </p:cNvPr>
+          <p:cNvSpPr>
+            <a:spLocks noGrp="1"/>
+          </p:cNvSpPr>
+          <p:nvPr>
+            <p:ph type="title"/>
+          </p:nvPr>
+        </p:nvSpPr>
+        <p:spPr/>
+        <p:txBody>
+          <a:bodyPr/>
+          <a:lstStyle/>
+          <a:p>
+            <a:r>
+              <a:rPr lang="en-IN" dirty="0"/>
+              <a:t>HTTP, HTML and Server Side Programming</a:t>
+            </a:r>
+          </a:p>
+        </p:txBody>
+      </p:sp>
+      <p:sp>
+        <p:nvSpPr>
+          <p:cNvPr id="3" name="Content Placeholder 2">
+            <a:extLst>
+              <a:ext uri="{FF2B5EF4-FFF2-40B4-BE49-F238E27FC236}">
+                <a16:creationId xmlns:a16="http://schemas.microsoft.com/office/drawing/2014/main" id="{940B9AD4-F0C2-493C-8127-2BE65F38A98D}"/>
+              </a:ext>
+            </a:extLst>
+          </p:cNvPr>
+          <p:cNvSpPr>
+            <a:spLocks noGrp="1"/>
+          </p:cNvSpPr>
+          <p:nvPr>
+            <p:ph idx="1"/>
+          </p:nvPr>
+        </p:nvSpPr>
+        <p:spPr/>
+        <p:txBody>
+          <a:bodyPr>
+            <a:normAutofit/>
+          </a:bodyPr>
+          <a:lstStyle/>
+          <a:p>
+            <a:r>
+              <a:rPr lang="en-IN" dirty="0"/>
+              <a:t>HTTP is a protocol for transferring text based info from Servers to Browsers. </a:t>
+            </a:r>
+          </a:p>
+          <a:p>
+            <a:r>
+              <a:rPr lang="en-IN" dirty="0"/>
+              <a:t>Servers are Web Servers which store Web pages written in HTML or Derivatives of HTML. </a:t>
+            </a:r>
+          </a:p>
+          <a:p>
+            <a:r>
+              <a:rPr lang="en-IN" dirty="0"/>
+              <a:t>IIS, WebSphere, Apache Tom Cat are some of the Web Servers. </a:t>
+            </a:r>
+          </a:p>
+          <a:p>
+            <a:r>
+              <a:rPr lang="en-IN" dirty="0"/>
+              <a:t>HTML is the </a:t>
+            </a:r>
+            <a:r>
+              <a:rPr lang="en-IN" dirty="0" err="1"/>
+              <a:t>markup</a:t>
+            </a:r>
+            <a:r>
+              <a:rPr lang="en-IN" dirty="0"/>
+              <a:t> language used for creating Web Pages. They are saved as .html files. </a:t>
+            </a:r>
+          </a:p>
+          <a:p>
+            <a:r>
+              <a:rPr lang="en-IN" dirty="0"/>
+              <a:t>Servers are accessed thro’ Internet using Browsers.</a:t>
+            </a:r>
+          </a:p>
+          <a:p>
+            <a:r>
+              <a:rPr lang="en-IN" dirty="0"/>
+              <a:t>Servers are identified by unique name called Domain Name or IP Address. Thro these Addresses, Clients access the Servers and extract the files to view.</a:t>
+            </a:r>
+          </a:p>
+          <a:p>
+            <a:r>
+              <a:rPr lang="en-IN" dirty="0"/>
+              <a:t>Servers can have multiple domains in them. Each Domain is </a:t>
+            </a:r>
+            <a:r>
+              <a:rPr lang="en-IN" dirty="0" err="1"/>
+              <a:t>refered</a:t>
+            </a:r>
+            <a:r>
+              <a:rPr lang="en-IN" dirty="0"/>
+              <a:t> by human friendly name called Web Address. They are also called as </a:t>
+            </a:r>
+            <a:r>
+              <a:rPr lang="en-IN" dirty="0" err="1"/>
+              <a:t>WebSite</a:t>
+            </a:r>
+            <a:r>
+              <a:rPr lang="en-IN" dirty="0"/>
+              <a:t>. </a:t>
+            </a:r>
+          </a:p>
+          <a:p>
+            <a:endParaRPr lang="en-IN" dirty="0"/>
+          </a:p>
+        </p:txBody>
+      </p:sp>
+    </p:spTree>
+    <p:extLst>
+      <p:ext uri="{BB962C8B-B14F-4D97-AF65-F5344CB8AC3E}">
+        <p14:creationId xmlns:p14="http://schemas.microsoft.com/office/powerpoint/2010/main" val="265206269"/>
+      </p:ext>
+    </p:extLst>
+  </p:cSld>
+  <p:clrMapOvr>
+    <a:masterClrMapping/>
+  </p:clrMapOvr>
+</p:sld>
+</file>
+
+<file path=ppt/slides/slide37.xml><?xml version="1.0" encoding="utf-8"?>
+<p:sld xmlns:a="http://schemas.openxmlformats.org/drawingml/2006/main" xmlns:r="http://schemas.openxmlformats.org/officeDocument/2006/relationships" xmlns:p="http://schemas.openxmlformats.org/presentationml/2006/main">
+  <p:cSld>
+    <p:spTree>
+      <p:nvGrpSpPr>
+        <p:cNvPr id="1" name=""/>
+        <p:cNvGrpSpPr/>
+        <p:nvPr/>
+      </p:nvGrpSpPr>
+      <p:grpSpPr>
+        <a:xfrm>
+          <a:off x="0" y="0"/>
+          <a:ext cx="0" cy="0"/>
+          <a:chOff x="0" y="0"/>
+          <a:chExt cx="0" cy="0"/>
+        </a:xfrm>
+      </p:grpSpPr>
+      <p:sp>
+        <p:nvSpPr>
+          <p:cNvPr id="2" name="Title 1">
+            <a:extLst>
+              <a:ext uri="{FF2B5EF4-FFF2-40B4-BE49-F238E27FC236}">
+                <a16:creationId xmlns:a16="http://schemas.microsoft.com/office/drawing/2014/main" id="{CE98C36C-ED6B-46DA-8AE6-69A7ACFC916F}"/>
+              </a:ext>
+            </a:extLst>
+          </p:cNvPr>
+          <p:cNvSpPr>
+            <a:spLocks noGrp="1"/>
+          </p:cNvSpPr>
+          <p:nvPr>
+            <p:ph type="title"/>
+          </p:nvPr>
+        </p:nvSpPr>
+        <p:spPr/>
+        <p:txBody>
+          <a:bodyPr/>
+          <a:lstStyle/>
+          <a:p>
+            <a:r>
+              <a:rPr lang="en-IN" dirty="0"/>
+              <a:t>HTML</a:t>
+            </a:r>
+          </a:p>
+        </p:txBody>
+      </p:sp>
+      <p:sp>
+        <p:nvSpPr>
+          <p:cNvPr id="3" name="Content Placeholder 2">
+            <a:extLst>
+              <a:ext uri="{FF2B5EF4-FFF2-40B4-BE49-F238E27FC236}">
+                <a16:creationId xmlns:a16="http://schemas.microsoft.com/office/drawing/2014/main" id="{0C6B6D54-F29E-4E50-B62D-D11869351D8F}"/>
+              </a:ext>
+            </a:extLst>
+          </p:cNvPr>
+          <p:cNvSpPr>
+            <a:spLocks noGrp="1"/>
+          </p:cNvSpPr>
+          <p:nvPr>
+            <p:ph idx="1"/>
+          </p:nvPr>
+        </p:nvSpPr>
+        <p:spPr/>
+        <p:txBody>
+          <a:bodyPr/>
+          <a:lstStyle/>
+          <a:p>
+            <a:r>
+              <a:rPr lang="en-IN" dirty="0" err="1"/>
+              <a:t>Markup</a:t>
+            </a:r>
+            <a:r>
+              <a:rPr lang="en-IN" dirty="0"/>
+              <a:t> language based in Text based content. </a:t>
+            </a:r>
+          </a:p>
+          <a:p>
+            <a:r>
+              <a:rPr lang="en-IN" dirty="0"/>
+              <a:t>Used for formatting, styling, linking documents. </a:t>
+            </a:r>
+          </a:p>
+          <a:p>
+            <a:r>
+              <a:rPr lang="en-IN" dirty="0"/>
+              <a:t>HTML files are static Pages. They don’t change once created. </a:t>
+            </a:r>
+          </a:p>
+          <a:p>
+            <a:r>
+              <a:rPr lang="en-IN" dirty="0"/>
+              <a:t>Real time Apps need dynamic pages. </a:t>
+            </a:r>
+          </a:p>
+          <a:p>
+            <a:r>
+              <a:rPr lang="en-IN" dirty="0"/>
+              <a:t>Scripting is a technology for writing programming content on the Web Pages. </a:t>
+            </a:r>
+          </a:p>
+          <a:p>
+            <a:r>
+              <a:rPr lang="en-IN" dirty="0"/>
+              <a:t>Client Side Scripting:</a:t>
+            </a:r>
+          </a:p>
+          <a:p>
+            <a:pPr lvl="1"/>
+            <a:r>
+              <a:rPr lang="en-IN" dirty="0"/>
+              <a:t>JavaScript, VBScript.</a:t>
+            </a:r>
+          </a:p>
+          <a:p>
+            <a:r>
+              <a:rPr lang="en-IN" dirty="0"/>
+              <a:t>Server Side Scripting:</a:t>
+            </a:r>
+          </a:p>
+          <a:p>
+            <a:pPr lvl="1"/>
+            <a:r>
+              <a:rPr lang="en-IN" dirty="0"/>
+              <a:t>JSP, ASP, ASP.NET. </a:t>
+            </a:r>
+            <a:r>
+              <a:rPr lang="en-IN" dirty="0" err="1"/>
+              <a:t>pHp</a:t>
+            </a:r>
+            <a:r>
+              <a:rPr lang="en-IN" dirty="0"/>
+              <a:t>.  </a:t>
+            </a:r>
+          </a:p>
+        </p:txBody>
+      </p:sp>
+    </p:spTree>
+    <p:extLst>
+      <p:ext uri="{BB962C8B-B14F-4D97-AF65-F5344CB8AC3E}">
+        <p14:creationId xmlns:p14="http://schemas.microsoft.com/office/powerpoint/2010/main" val="1690766877"/>
+      </p:ext>
+    </p:extLst>
+  </p:cSld>
+  <p:clrMapOvr>
+    <a:masterClrMapping/>
+  </p:clrMapOvr>
+</p:sld>
+</file>
+
+<file path=ppt/slides/slide38.xml><?xml version="1.0" encoding="utf-8"?>
+<p:sld xmlns:a="http://schemas.openxmlformats.org/drawingml/2006/main" xmlns:r="http://schemas.openxmlformats.org/officeDocument/2006/relationships" xmlns:p="http://schemas.openxmlformats.org/presentationml/2006/main">
+  <p:cSld>
+    <p:spTree>
+      <p:nvGrpSpPr>
+        <p:cNvPr id="1" name=""/>
+        <p:cNvGrpSpPr/>
+        <p:nvPr/>
+      </p:nvGrpSpPr>
+      <p:grpSpPr>
+        <a:xfrm>
+          <a:off x="0" y="0"/>
+          <a:ext cx="0" cy="0"/>
+          <a:chOff x="0" y="0"/>
+          <a:chExt cx="0" cy="0"/>
+        </a:xfrm>
+      </p:grpSpPr>
+      <p:sp>
+        <p:nvSpPr>
+          <p:cNvPr id="2" name="Title 1">
+            <a:extLst>
+              <a:ext uri="{FF2B5EF4-FFF2-40B4-BE49-F238E27FC236}">
+                <a16:creationId xmlns:a16="http://schemas.microsoft.com/office/drawing/2014/main" id="{4CB01265-27E9-4E52-A8C9-68227894D701}"/>
+              </a:ext>
+            </a:extLst>
+          </p:cNvPr>
+          <p:cNvSpPr>
+            <a:spLocks noGrp="1"/>
+          </p:cNvSpPr>
+          <p:nvPr>
+            <p:ph type="title"/>
+          </p:nvPr>
+        </p:nvSpPr>
+        <p:spPr/>
+        <p:txBody>
+          <a:bodyPr/>
+          <a:lstStyle/>
+          <a:p>
+            <a:r>
+              <a:rPr lang="en-IN" dirty="0"/>
+              <a:t>Razor Syntax</a:t>
+            </a:r>
+          </a:p>
+        </p:txBody>
+      </p:sp>
+      <p:sp>
+        <p:nvSpPr>
+          <p:cNvPr id="3" name="Content Placeholder 2">
+            <a:extLst>
+              <a:ext uri="{FF2B5EF4-FFF2-40B4-BE49-F238E27FC236}">
+                <a16:creationId xmlns:a16="http://schemas.microsoft.com/office/drawing/2014/main" id="{58D42116-C4E1-4C06-876D-8F888B03771C}"/>
+              </a:ext>
+            </a:extLst>
+          </p:cNvPr>
+          <p:cNvSpPr>
+            <a:spLocks noGrp="1"/>
+          </p:cNvSpPr>
+          <p:nvPr>
+            <p:ph idx="1"/>
+          </p:nvPr>
+        </p:nvSpPr>
+        <p:spPr/>
+        <p:txBody>
+          <a:bodyPr/>
+          <a:lstStyle/>
+          <a:p>
+            <a:r>
+              <a:rPr lang="en-IN" dirty="0" err="1"/>
+              <a:t>ViewEngine</a:t>
+            </a:r>
+            <a:r>
+              <a:rPr lang="en-IN" dirty="0"/>
+              <a:t> of ASP.NET MVC.</a:t>
+            </a:r>
+          </a:p>
+          <a:p>
+            <a:r>
+              <a:rPr lang="en-IN" dirty="0"/>
+              <a:t>Allows to mix </a:t>
+            </a:r>
+            <a:r>
+              <a:rPr lang="en-IN" dirty="0" err="1"/>
+              <a:t>Csharp</a:t>
+            </a:r>
+            <a:r>
+              <a:rPr lang="en-IN" dirty="0"/>
+              <a:t> code and HTML code as CSHTML. </a:t>
+            </a:r>
+          </a:p>
+          <a:p>
+            <a:r>
+              <a:rPr lang="en-IN" dirty="0"/>
+              <a:t>@ is used to inject the C# code into the HTML. Using @ prefix, U could write any C# based code inside the CSHTML including blocks. </a:t>
+            </a:r>
+          </a:p>
+          <a:p>
+            <a:r>
+              <a:rPr lang="en-IN" dirty="0"/>
+              <a:t>However, U could still use ASPX Engine for backward compatibility if the MVC App is built in MVC 2 of VS 2010.  From MVC 3.0, Razor </a:t>
+            </a:r>
+            <a:r>
+              <a:rPr lang="en-IN" dirty="0" err="1"/>
+              <a:t>ViewEngine</a:t>
+            </a:r>
+            <a:r>
+              <a:rPr lang="en-IN" dirty="0"/>
+              <a:t> is provided by ASP.NET for better performance. </a:t>
+            </a:r>
+          </a:p>
+          <a:p>
+            <a:r>
+              <a:rPr lang="en-IN" dirty="0" err="1"/>
+              <a:t>ViewEngine</a:t>
+            </a:r>
+            <a:r>
+              <a:rPr lang="en-IN" dirty="0"/>
+              <a:t> is the code that processes UR Views. Razor Engine processes the Razor Syntax and HTML Helpers to render the Views to the Browser. </a:t>
+            </a:r>
+          </a:p>
+          <a:p>
+            <a:r>
+              <a:rPr lang="en-IN" dirty="0"/>
+              <a:t>U could create Custom Helpers if required for better functionalities of the HTML and C# code. </a:t>
+            </a:r>
+          </a:p>
+          <a:p>
+            <a:r>
+              <a:rPr lang="en-IN" dirty="0"/>
+              <a:t> </a:t>
+            </a:r>
+          </a:p>
+        </p:txBody>
+      </p:sp>
+    </p:spTree>
+    <p:extLst>
+      <p:ext uri="{BB962C8B-B14F-4D97-AF65-F5344CB8AC3E}">
+        <p14:creationId xmlns:p14="http://schemas.microsoft.com/office/powerpoint/2010/main" val="79555077"/>
+      </p:ext>
+    </p:extLst>
+  </p:cSld>
+  <p:clrMapOvr>
+    <a:masterClrMapping/>
+  </p:clrMapOvr>
+</p:sld>
+</file>
+
+<file path=ppt/slides/slide39.xml><?xml version="1.0" encoding="utf-8"?>
+<p:sld xmlns:a="http://schemas.openxmlformats.org/drawingml/2006/main" xmlns:r="http://schemas.openxmlformats.org/officeDocument/2006/relationships" xmlns:p="http://schemas.openxmlformats.org/presentationml/2006/main">
+  <p:cSld>
+    <p:spTree>
+      <p:nvGrpSpPr>
+        <p:cNvPr id="1" name=""/>
+        <p:cNvGrpSpPr/>
+        <p:nvPr/>
+      </p:nvGrpSpPr>
+      <p:grpSpPr>
+        <a:xfrm>
+          <a:off x="0" y="0"/>
+          <a:ext cx="0" cy="0"/>
+          <a:chOff x="0" y="0"/>
+          <a:chExt cx="0" cy="0"/>
+        </a:xfrm>
+      </p:grpSpPr>
+      <p:sp>
+        <p:nvSpPr>
+          <p:cNvPr id="2" name="Title 1">
+            <a:extLst>
+              <a:ext uri="{FF2B5EF4-FFF2-40B4-BE49-F238E27FC236}">
+                <a16:creationId xmlns:a16="http://schemas.microsoft.com/office/drawing/2014/main" id="{E8A34DAE-51D7-481E-AA44-C6FDDCE6560A}"/>
+              </a:ext>
+            </a:extLst>
+          </p:cNvPr>
+          <p:cNvSpPr>
+            <a:spLocks noGrp="1"/>
+          </p:cNvSpPr>
+          <p:nvPr>
+            <p:ph type="title"/>
+          </p:nvPr>
+        </p:nvSpPr>
+        <p:spPr/>
+        <p:txBody>
+          <a:bodyPr/>
+          <a:lstStyle/>
+          <a:p>
+            <a:r>
+              <a:rPr lang="en-IN" dirty="0"/>
+              <a:t>Service Oriented Architecture</a:t>
+            </a:r>
+          </a:p>
+        </p:txBody>
+      </p:sp>
+      <p:sp>
+        <p:nvSpPr>
+          <p:cNvPr id="3" name="Content Placeholder 2">
+            <a:extLst>
+              <a:ext uri="{FF2B5EF4-FFF2-40B4-BE49-F238E27FC236}">
+                <a16:creationId xmlns:a16="http://schemas.microsoft.com/office/drawing/2014/main" id="{111B7CF3-661A-45DF-BAFC-6807A63658C4}"/>
+              </a:ext>
+            </a:extLst>
+          </p:cNvPr>
+          <p:cNvSpPr>
+            <a:spLocks noGrp="1"/>
+          </p:cNvSpPr>
+          <p:nvPr>
+            <p:ph idx="1"/>
+          </p:nvPr>
+        </p:nvSpPr>
+        <p:spPr/>
+        <p:txBody>
+          <a:bodyPr/>
+          <a:lstStyle/>
+          <a:p>
+            <a:r>
+              <a:rPr lang="en-IN" dirty="0"/>
+              <a:t>SOA is a pattern of developing functions that can be operated across platforms, Applications using inter-machine and inter-process communications. </a:t>
+            </a:r>
+          </a:p>
+          <a:p>
+            <a:r>
+              <a:rPr lang="en-IN" dirty="0"/>
+              <a:t>Most of the Web Apps get their data using SOA. </a:t>
+            </a:r>
+          </a:p>
+          <a:p>
+            <a:r>
+              <a:rPr lang="en-IN" dirty="0"/>
+              <a:t>In .NET SOA can be built using the following frameworks:</a:t>
+            </a:r>
+          </a:p>
+          <a:p>
+            <a:pPr lvl="1"/>
+            <a:r>
+              <a:rPr lang="en-IN" dirty="0"/>
+              <a:t>.NET Remoting</a:t>
+            </a:r>
+          </a:p>
+          <a:p>
+            <a:pPr lvl="1"/>
+            <a:r>
+              <a:rPr lang="en-IN" dirty="0"/>
+              <a:t>XML Web Services</a:t>
+            </a:r>
+          </a:p>
+          <a:p>
+            <a:pPr lvl="1"/>
+            <a:r>
+              <a:rPr lang="en-IN" dirty="0"/>
+              <a:t>WCF</a:t>
+            </a:r>
+          </a:p>
+          <a:p>
+            <a:pPr lvl="1"/>
+            <a:r>
+              <a:rPr lang="en-IN" dirty="0"/>
+              <a:t>Web API. </a:t>
+            </a:r>
+          </a:p>
+          <a:p>
+            <a:r>
+              <a:rPr lang="en-IN" dirty="0"/>
+              <a:t>Web API and WCF are the latest technologies for developing SOA.</a:t>
+            </a:r>
+          </a:p>
+        </p:txBody>
+      </p:sp>
+    </p:spTree>
+    <p:extLst>
+      <p:ext uri="{BB962C8B-B14F-4D97-AF65-F5344CB8AC3E}">
+        <p14:creationId xmlns:p14="http://schemas.microsoft.com/office/powerpoint/2010/main" val="1286327103"/>
+      </p:ext>
+    </p:extLst>
+  </p:cSld>
+  <p:clrMapOvr>
+    <a:masterClrMapping/>
+  </p:clrMapOvr>
+</p:sld>
+</file>
+
 <file path=ppt/slides/slide4.xml><?xml version="1.0" encoding="utf-8"?>
 <p:sld xmlns:a="http://schemas.openxmlformats.org/drawingml/2006/main" xmlns:r="http://schemas.openxmlformats.org/officeDocument/2006/relationships" xmlns:p="http://schemas.openxmlformats.org/presentationml/2006/main">
   <p:cSld>
@@ -8937,6 +10761,1036 @@
     <p:extLst>
       <p:ext uri="{BB962C8B-B14F-4D97-AF65-F5344CB8AC3E}">
         <p14:creationId xmlns:p14="http://schemas.microsoft.com/office/powerpoint/2010/main" val="516965977"/>
+      </p:ext>
+    </p:extLst>
+  </p:cSld>
+  <p:clrMapOvr>
+    <a:masterClrMapping/>
+  </p:clrMapOvr>
+</p:sld>
+</file>
+
+<file path=ppt/slides/slide40.xml><?xml version="1.0" encoding="utf-8"?>
+<p:sld xmlns:a="http://schemas.openxmlformats.org/drawingml/2006/main" xmlns:r="http://schemas.openxmlformats.org/officeDocument/2006/relationships" xmlns:p="http://schemas.openxmlformats.org/presentationml/2006/main">
+  <p:cSld>
+    <p:spTree>
+      <p:nvGrpSpPr>
+        <p:cNvPr id="1" name=""/>
+        <p:cNvGrpSpPr/>
+        <p:nvPr/>
+      </p:nvGrpSpPr>
+      <p:grpSpPr>
+        <a:xfrm>
+          <a:off x="0" y="0"/>
+          <a:ext cx="0" cy="0"/>
+          <a:chOff x="0" y="0"/>
+          <a:chExt cx="0" cy="0"/>
+        </a:xfrm>
+      </p:grpSpPr>
+      <p:sp>
+        <p:nvSpPr>
+          <p:cNvPr id="2" name="Title 1">
+            <a:extLst>
+              <a:ext uri="{FF2B5EF4-FFF2-40B4-BE49-F238E27FC236}">
+                <a16:creationId xmlns:a16="http://schemas.microsoft.com/office/drawing/2014/main" id="{82C86717-3E59-4322-AA3D-7F3642DE7339}"/>
+              </a:ext>
+            </a:extLst>
+          </p:cNvPr>
+          <p:cNvSpPr>
+            <a:spLocks noGrp="1"/>
+          </p:cNvSpPr>
+          <p:nvPr>
+            <p:ph type="title"/>
+          </p:nvPr>
+        </p:nvSpPr>
+        <p:spPr/>
+        <p:txBody>
+          <a:bodyPr/>
+          <a:lstStyle/>
+          <a:p>
+            <a:r>
+              <a:rPr lang="en-IN" dirty="0"/>
+              <a:t>WCF vs. Web API</a:t>
+            </a:r>
+          </a:p>
+        </p:txBody>
+      </p:sp>
+      <p:sp>
+        <p:nvSpPr>
+          <p:cNvPr id="3" name="Content Placeholder 2">
+            <a:extLst>
+              <a:ext uri="{FF2B5EF4-FFF2-40B4-BE49-F238E27FC236}">
+                <a16:creationId xmlns:a16="http://schemas.microsoft.com/office/drawing/2014/main" id="{9CB4EB8A-184D-4DBD-AF71-1AE69F1AD176}"/>
+              </a:ext>
+            </a:extLst>
+          </p:cNvPr>
+          <p:cNvSpPr>
+            <a:spLocks noGrp="1"/>
+          </p:cNvSpPr>
+          <p:nvPr>
+            <p:ph idx="1"/>
+          </p:nvPr>
+        </p:nvSpPr>
+        <p:spPr/>
+        <p:txBody>
+          <a:bodyPr/>
+          <a:lstStyle/>
+          <a:p>
+            <a:r>
+              <a:rPr lang="en-IN" dirty="0"/>
+              <a:t>WCF is extension of XML Web services which allows services to be accessed via HTTP, TCP and other protocols available in the distributed Computing world.</a:t>
+            </a:r>
+          </a:p>
+          <a:p>
+            <a:r>
+              <a:rPr lang="en-IN" dirty="0"/>
+              <a:t>Web API is specifically designed for services providing thro HTTP Verbs: GET, PUT, POST, DELETE. </a:t>
+            </a:r>
+          </a:p>
+          <a:p>
+            <a:r>
+              <a:rPr lang="en-IN" dirty="0"/>
+              <a:t>Web API is the .NET’s Framework for REST Services where the data is shared as JSON or XML. </a:t>
+            </a:r>
+          </a:p>
+          <a:p>
+            <a:r>
+              <a:rPr lang="en-IN" dirty="0"/>
+              <a:t>WCF allows any kind of data that could internally be represented as XML. Even Custom types could be used as return type of the functions. </a:t>
+            </a:r>
+          </a:p>
+          <a:p>
+            <a:r>
+              <a:rPr lang="en-IN" dirty="0"/>
+              <a:t>WCF uses Contracts to define its functions called as OPERATIONS. Web API does not use any names for its methods only HTTP methods will be used. </a:t>
+            </a:r>
+          </a:p>
+          <a:p>
+            <a:r>
+              <a:rPr lang="en-IN" dirty="0"/>
+              <a:t>Web API is used for mostly Angular and JS applications which are currently popular in the market and WCF is more towards multiple platforms including .NET Apps.  </a:t>
+            </a:r>
+          </a:p>
+        </p:txBody>
+      </p:sp>
+    </p:spTree>
+    <p:extLst>
+      <p:ext uri="{BB962C8B-B14F-4D97-AF65-F5344CB8AC3E}">
+        <p14:creationId xmlns:p14="http://schemas.microsoft.com/office/powerpoint/2010/main" val="2035085359"/>
+      </p:ext>
+    </p:extLst>
+  </p:cSld>
+  <p:clrMapOvr>
+    <a:masterClrMapping/>
+  </p:clrMapOvr>
+</p:sld>
+</file>
+
+<file path=ppt/slides/slide41.xml><?xml version="1.0" encoding="utf-8"?>
+<p:sld xmlns:a="http://schemas.openxmlformats.org/drawingml/2006/main" xmlns:r="http://schemas.openxmlformats.org/officeDocument/2006/relationships" xmlns:p="http://schemas.openxmlformats.org/presentationml/2006/main">
+  <p:cSld>
+    <p:spTree>
+      <p:nvGrpSpPr>
+        <p:cNvPr id="1" name=""/>
+        <p:cNvGrpSpPr/>
+        <p:nvPr/>
+      </p:nvGrpSpPr>
+      <p:grpSpPr>
+        <a:xfrm>
+          <a:off x="0" y="0"/>
+          <a:ext cx="0" cy="0"/>
+          <a:chOff x="0" y="0"/>
+          <a:chExt cx="0" cy="0"/>
+        </a:xfrm>
+      </p:grpSpPr>
+      <p:sp>
+        <p:nvSpPr>
+          <p:cNvPr id="2" name="Title 1">
+            <a:extLst>
+              <a:ext uri="{FF2B5EF4-FFF2-40B4-BE49-F238E27FC236}">
+                <a16:creationId xmlns:a16="http://schemas.microsoft.com/office/drawing/2014/main" id="{7CDD2A3C-15EB-4AD5-B9B2-2F2A10A48ABB}"/>
+              </a:ext>
+            </a:extLst>
+          </p:cNvPr>
+          <p:cNvSpPr>
+            <a:spLocks noGrp="1"/>
+          </p:cNvSpPr>
+          <p:nvPr>
+            <p:ph type="title"/>
+          </p:nvPr>
+        </p:nvSpPr>
+        <p:spPr/>
+        <p:txBody>
+          <a:bodyPr/>
+          <a:lstStyle/>
+          <a:p>
+            <a:r>
+              <a:rPr lang="en-IN" dirty="0"/>
+              <a:t>WCF Components</a:t>
+            </a:r>
+          </a:p>
+        </p:txBody>
+      </p:sp>
+      <p:sp>
+        <p:nvSpPr>
+          <p:cNvPr id="3" name="Content Placeholder 2">
+            <a:extLst>
+              <a:ext uri="{FF2B5EF4-FFF2-40B4-BE49-F238E27FC236}">
+                <a16:creationId xmlns:a16="http://schemas.microsoft.com/office/drawing/2014/main" id="{6455E885-7067-4E9E-AD68-CCC2FE773600}"/>
+              </a:ext>
+            </a:extLst>
+          </p:cNvPr>
+          <p:cNvSpPr>
+            <a:spLocks noGrp="1"/>
+          </p:cNvSpPr>
+          <p:nvPr>
+            <p:ph idx="1"/>
+          </p:nvPr>
+        </p:nvSpPr>
+        <p:spPr>
+          <a:xfrm>
+            <a:off x="1097280" y="1845734"/>
+            <a:ext cx="10058400" cy="4212166"/>
+          </a:xfrm>
+        </p:spPr>
+        <p:txBody>
+          <a:bodyPr>
+            <a:normAutofit fontScale="92500" lnSpcReduction="10000"/>
+          </a:bodyPr>
+          <a:lstStyle/>
+          <a:p>
+            <a:r>
+              <a:rPr lang="en-IN" dirty="0"/>
+              <a:t>Service Contracts:</a:t>
+            </a:r>
+          </a:p>
+          <a:p>
+            <a:pPr lvl="1"/>
+            <a:r>
+              <a:rPr lang="en-IN" dirty="0"/>
+              <a:t>All functions of the service is created as an interface with an attribute </a:t>
+            </a:r>
+            <a:r>
+              <a:rPr lang="en-IN" dirty="0" err="1"/>
+              <a:t>ServiceContract</a:t>
+            </a:r>
+            <a:r>
+              <a:rPr lang="en-IN" dirty="0"/>
+              <a:t>.</a:t>
+            </a:r>
+          </a:p>
+          <a:p>
+            <a:pPr lvl="1"/>
+            <a:r>
+              <a:rPr lang="en-IN" dirty="0"/>
+              <a:t>Functions are exposed as Interface objects. </a:t>
+            </a:r>
+          </a:p>
+          <a:p>
+            <a:r>
+              <a:rPr lang="en-IN" dirty="0" err="1"/>
+              <a:t>DataContracts</a:t>
+            </a:r>
+            <a:r>
+              <a:rPr lang="en-IN" dirty="0"/>
+              <a:t>:</a:t>
+            </a:r>
+          </a:p>
+          <a:p>
+            <a:pPr lvl="1"/>
+            <a:r>
+              <a:rPr lang="en-IN" dirty="0"/>
+              <a:t>Any User defined types used in the functions of the Service will be defined with attribute </a:t>
+            </a:r>
+            <a:r>
+              <a:rPr lang="en-IN" dirty="0" err="1"/>
+              <a:t>DataContract</a:t>
+            </a:r>
+            <a:endParaRPr lang="en-IN" dirty="0"/>
+          </a:p>
+          <a:p>
+            <a:pPr lvl="1"/>
+            <a:r>
+              <a:rPr lang="en-IN" dirty="0"/>
+              <a:t>Usually </a:t>
+            </a:r>
+            <a:r>
+              <a:rPr lang="en-IN" dirty="0" err="1"/>
+              <a:t>DataContracts</a:t>
+            </a:r>
+            <a:r>
+              <a:rPr lang="en-IN" dirty="0"/>
+              <a:t> are defined for Entity Classes which are classes with only properties in them.</a:t>
+            </a:r>
+          </a:p>
+          <a:p>
+            <a:pPr lvl="1"/>
+            <a:r>
+              <a:rPr lang="en-IN" dirty="0"/>
+              <a:t>Every Property of the </a:t>
+            </a:r>
+            <a:r>
+              <a:rPr lang="en-IN" dirty="0" err="1"/>
+              <a:t>DataContract</a:t>
+            </a:r>
+            <a:r>
+              <a:rPr lang="en-IN" dirty="0"/>
+              <a:t> class will have </a:t>
+            </a:r>
+            <a:r>
+              <a:rPr lang="en-IN" dirty="0" err="1"/>
+              <a:t>DataMember</a:t>
+            </a:r>
+            <a:r>
+              <a:rPr lang="en-IN" dirty="0"/>
+              <a:t> Attribute. </a:t>
+            </a:r>
+          </a:p>
+          <a:p>
+            <a:r>
+              <a:rPr lang="en-IN" dirty="0" err="1"/>
+              <a:t>OperationContracts</a:t>
+            </a:r>
+            <a:endParaRPr lang="en-IN" dirty="0"/>
+          </a:p>
+          <a:p>
+            <a:pPr lvl="1"/>
+            <a:r>
+              <a:rPr lang="en-IN" dirty="0"/>
+              <a:t>Functions of the Service Contract is defined with attribute called </a:t>
+            </a:r>
+            <a:r>
+              <a:rPr lang="en-IN" dirty="0" err="1"/>
+              <a:t>OperationContract</a:t>
+            </a:r>
+            <a:r>
+              <a:rPr lang="en-IN" dirty="0"/>
+              <a:t>. </a:t>
+            </a:r>
+          </a:p>
+          <a:p>
+            <a:r>
+              <a:rPr lang="en-IN" dirty="0" err="1"/>
+              <a:t>FaultContracts</a:t>
+            </a:r>
+            <a:r>
+              <a:rPr lang="en-IN" dirty="0"/>
+              <a:t>:</a:t>
+            </a:r>
+          </a:p>
+          <a:p>
+            <a:pPr lvl="1"/>
+            <a:r>
+              <a:rPr lang="en-IN" dirty="0"/>
+              <a:t>Exceptions raised by UR Operations will be shown as </a:t>
+            </a:r>
+            <a:r>
+              <a:rPr lang="en-IN" dirty="0" err="1"/>
+              <a:t>FaultContracts</a:t>
+            </a:r>
+            <a:r>
+              <a:rPr lang="en-IN" dirty="0"/>
+              <a:t>. </a:t>
+            </a:r>
+          </a:p>
+          <a:p>
+            <a:r>
+              <a:rPr lang="en-IN" dirty="0"/>
+              <a:t>All the Operations of the Service Contract interface is implemented by UR Service class. </a:t>
+            </a:r>
+          </a:p>
+        </p:txBody>
+      </p:sp>
+    </p:spTree>
+    <p:extLst>
+      <p:ext uri="{BB962C8B-B14F-4D97-AF65-F5344CB8AC3E}">
+        <p14:creationId xmlns:p14="http://schemas.microsoft.com/office/powerpoint/2010/main" val="2203068523"/>
+      </p:ext>
+    </p:extLst>
+  </p:cSld>
+  <p:clrMapOvr>
+    <a:masterClrMapping/>
+  </p:clrMapOvr>
+</p:sld>
+</file>
+
+<file path=ppt/slides/slide42.xml><?xml version="1.0" encoding="utf-8"?>
+<p:sld xmlns:a="http://schemas.openxmlformats.org/drawingml/2006/main" xmlns:r="http://schemas.openxmlformats.org/officeDocument/2006/relationships" xmlns:p="http://schemas.openxmlformats.org/presentationml/2006/main">
+  <p:cSld>
+    <p:spTree>
+      <p:nvGrpSpPr>
+        <p:cNvPr id="1" name=""/>
+        <p:cNvGrpSpPr/>
+        <p:nvPr/>
+      </p:nvGrpSpPr>
+      <p:grpSpPr>
+        <a:xfrm>
+          <a:off x="0" y="0"/>
+          <a:ext cx="0" cy="0"/>
+          <a:chOff x="0" y="0"/>
+          <a:chExt cx="0" cy="0"/>
+        </a:xfrm>
+      </p:grpSpPr>
+      <p:sp>
+        <p:nvSpPr>
+          <p:cNvPr id="2" name="Title 1">
+            <a:extLst>
+              <a:ext uri="{FF2B5EF4-FFF2-40B4-BE49-F238E27FC236}">
+                <a16:creationId xmlns:a16="http://schemas.microsoft.com/office/drawing/2014/main" id="{29EA8CDD-69B9-4E72-919F-9C349568D493}"/>
+              </a:ext>
+            </a:extLst>
+          </p:cNvPr>
+          <p:cNvSpPr>
+            <a:spLocks noGrp="1"/>
+          </p:cNvSpPr>
+          <p:nvPr>
+            <p:ph type="title"/>
+          </p:nvPr>
+        </p:nvSpPr>
+        <p:spPr/>
+        <p:txBody>
+          <a:bodyPr/>
+          <a:lstStyle/>
+          <a:p>
+            <a:r>
+              <a:rPr lang="en-IN" dirty="0"/>
+              <a:t>WCF Configuration</a:t>
+            </a:r>
+          </a:p>
+        </p:txBody>
+      </p:sp>
+      <p:sp>
+        <p:nvSpPr>
+          <p:cNvPr id="3" name="Content Placeholder 2">
+            <a:extLst>
+              <a:ext uri="{FF2B5EF4-FFF2-40B4-BE49-F238E27FC236}">
+                <a16:creationId xmlns:a16="http://schemas.microsoft.com/office/drawing/2014/main" id="{CD8295DE-A71A-4839-8A07-AC28B57A1C3A}"/>
+              </a:ext>
+            </a:extLst>
+          </p:cNvPr>
+          <p:cNvSpPr>
+            <a:spLocks noGrp="1"/>
+          </p:cNvSpPr>
+          <p:nvPr>
+            <p:ph idx="1"/>
+          </p:nvPr>
+        </p:nvSpPr>
+        <p:spPr/>
+        <p:txBody>
+          <a:bodyPr/>
+          <a:lstStyle/>
+          <a:p>
+            <a:r>
+              <a:rPr lang="en-IN" dirty="0"/>
+              <a:t>Services are exposed thro Configuration file(</a:t>
+            </a:r>
+            <a:r>
+              <a:rPr lang="en-IN" dirty="0" err="1"/>
+              <a:t>App.Config</a:t>
+            </a:r>
+            <a:r>
+              <a:rPr lang="en-IN" dirty="0"/>
+              <a:t>).</a:t>
+            </a:r>
+          </a:p>
+          <a:p>
+            <a:r>
+              <a:rPr lang="en-IN" dirty="0"/>
+              <a:t>Services will have endpoints thro’ which UR Services are accessible to UR Clients. </a:t>
+            </a:r>
+          </a:p>
+          <a:p>
+            <a:r>
+              <a:rPr lang="en-IN" dirty="0"/>
+              <a:t>ABCs of End Points:</a:t>
+            </a:r>
+          </a:p>
+          <a:p>
+            <a:pPr lvl="1"/>
+            <a:r>
+              <a:rPr lang="en-IN" dirty="0"/>
+              <a:t>Address: The Location in the form of </a:t>
+            </a:r>
+            <a:r>
+              <a:rPr lang="en-IN" dirty="0" err="1"/>
+              <a:t>IPAddress</a:t>
+            </a:r>
+            <a:r>
+              <a:rPr lang="en-IN" dirty="0"/>
+              <a:t> to locate the Services within the network.</a:t>
+            </a:r>
+          </a:p>
+          <a:p>
+            <a:pPr lvl="1"/>
+            <a:r>
+              <a:rPr lang="en-IN" dirty="0"/>
+              <a:t>: Protocol thro which the services are exposed. </a:t>
+            </a:r>
+          </a:p>
+          <a:p>
+            <a:pPr lvl="1"/>
+            <a:r>
+              <a:rPr lang="en-IN" dirty="0"/>
+              <a:t>Contract: Specifies the Service Contract available thro this End point. </a:t>
+            </a:r>
+          </a:p>
+          <a:p>
+            <a:r>
+              <a:rPr lang="en-IN" dirty="0" err="1"/>
+              <a:t>MexBinding</a:t>
+            </a:r>
+            <a:r>
+              <a:rPr lang="en-IN" dirty="0"/>
+              <a:t>: All WCF services will provide the metadata information about the service thro Mex Binding. Every service must provide this end point along with the regular endpoints thro’ which services are exposed. </a:t>
+            </a:r>
+          </a:p>
+          <a:p>
+            <a:r>
+              <a:rPr lang="en-IN" dirty="0"/>
+              <a:t>NOTE: A Service can expose its Service Contracts with more than one end points. </a:t>
+            </a:r>
+          </a:p>
+        </p:txBody>
+      </p:sp>
+    </p:spTree>
+    <p:extLst>
+      <p:ext uri="{BB962C8B-B14F-4D97-AF65-F5344CB8AC3E}">
+        <p14:creationId xmlns:p14="http://schemas.microsoft.com/office/powerpoint/2010/main" val="919572366"/>
+      </p:ext>
+    </p:extLst>
+  </p:cSld>
+  <p:clrMapOvr>
+    <a:masterClrMapping/>
+  </p:clrMapOvr>
+</p:sld>
+</file>
+
+<file path=ppt/slides/slide43.xml><?xml version="1.0" encoding="utf-8"?>
+<p:sld xmlns:a="http://schemas.openxmlformats.org/drawingml/2006/main" xmlns:r="http://schemas.openxmlformats.org/officeDocument/2006/relationships" xmlns:p="http://schemas.openxmlformats.org/presentationml/2006/main">
+  <p:cSld>
+    <p:spTree>
+      <p:nvGrpSpPr>
+        <p:cNvPr id="1" name=""/>
+        <p:cNvGrpSpPr/>
+        <p:nvPr/>
+      </p:nvGrpSpPr>
+      <p:grpSpPr>
+        <a:xfrm>
+          <a:off x="0" y="0"/>
+          <a:ext cx="0" cy="0"/>
+          <a:chOff x="0" y="0"/>
+          <a:chExt cx="0" cy="0"/>
+        </a:xfrm>
+      </p:grpSpPr>
+      <p:sp>
+        <p:nvSpPr>
+          <p:cNvPr id="2" name="Title 1">
+            <a:extLst>
+              <a:ext uri="{FF2B5EF4-FFF2-40B4-BE49-F238E27FC236}">
+                <a16:creationId xmlns:a16="http://schemas.microsoft.com/office/drawing/2014/main" id="{815C32C8-5332-4FC4-BF83-218DA13E61FB}"/>
+              </a:ext>
+            </a:extLst>
+          </p:cNvPr>
+          <p:cNvSpPr>
+            <a:spLocks noGrp="1"/>
+          </p:cNvSpPr>
+          <p:nvPr>
+            <p:ph type="title"/>
+          </p:nvPr>
+        </p:nvSpPr>
+        <p:spPr/>
+        <p:txBody>
+          <a:bodyPr/>
+          <a:lstStyle/>
+          <a:p>
+            <a:r>
+              <a:rPr lang="en-IN" dirty="0"/>
+              <a:t>How WCF is implemented?</a:t>
+            </a:r>
+          </a:p>
+        </p:txBody>
+      </p:sp>
+      <p:sp>
+        <p:nvSpPr>
+          <p:cNvPr id="3" name="Content Placeholder 2">
+            <a:extLst>
+              <a:ext uri="{FF2B5EF4-FFF2-40B4-BE49-F238E27FC236}">
+                <a16:creationId xmlns:a16="http://schemas.microsoft.com/office/drawing/2014/main" id="{7A3DE91B-2B3B-4DF7-8D49-0066D9AF63CA}"/>
+              </a:ext>
+            </a:extLst>
+          </p:cNvPr>
+          <p:cNvSpPr>
+            <a:spLocks noGrp="1"/>
+          </p:cNvSpPr>
+          <p:nvPr>
+            <p:ph idx="1"/>
+          </p:nvPr>
+        </p:nvSpPr>
+        <p:spPr/>
+        <p:txBody>
+          <a:bodyPr/>
+          <a:lstStyle/>
+          <a:p>
+            <a:r>
+              <a:rPr lang="en-IN" dirty="0"/>
+              <a:t>WCF is implemented in 4 ways:</a:t>
+            </a:r>
+          </a:p>
+          <a:p>
+            <a:pPr lvl="1"/>
+            <a:r>
+              <a:rPr lang="en-IN" dirty="0"/>
+              <a:t>Service Library</a:t>
+            </a:r>
+          </a:p>
+          <a:p>
+            <a:pPr lvl="1"/>
+            <a:r>
+              <a:rPr lang="en-IN" dirty="0"/>
+              <a:t>Service Application</a:t>
+            </a:r>
+          </a:p>
+          <a:p>
+            <a:pPr lvl="1"/>
+            <a:r>
+              <a:rPr lang="en-IN" dirty="0"/>
+              <a:t>Self Hosting Application</a:t>
+            </a:r>
+          </a:p>
+          <a:p>
+            <a:pPr lvl="1"/>
+            <a:r>
+              <a:rPr lang="en-IN" dirty="0"/>
+              <a:t>IIS</a:t>
+            </a:r>
+          </a:p>
+          <a:p>
+            <a:r>
+              <a:rPr lang="en-IN" dirty="0"/>
+              <a:t>Service Library and Application use a Windows service called WAS(Windows Activation Services) for hosting the service. </a:t>
+            </a:r>
+          </a:p>
+          <a:p>
+            <a:r>
+              <a:rPr lang="en-IN" dirty="0"/>
+              <a:t>Self Hosting Apps are created as .NET Console or other kind of Apps where WCF is implemented and exposed. </a:t>
+            </a:r>
+          </a:p>
+          <a:p>
+            <a:r>
+              <a:rPr lang="en-IN" dirty="0"/>
+              <a:t>IIS is where most of the real time WCF Apps are developed which allows to host the services inside IIS, the Web Server of .NET Apps. </a:t>
+            </a:r>
+          </a:p>
+        </p:txBody>
+      </p:sp>
+    </p:spTree>
+    <p:extLst>
+      <p:ext uri="{BB962C8B-B14F-4D97-AF65-F5344CB8AC3E}">
+        <p14:creationId xmlns:p14="http://schemas.microsoft.com/office/powerpoint/2010/main" val="590801827"/>
+      </p:ext>
+    </p:extLst>
+  </p:cSld>
+  <p:clrMapOvr>
+    <a:masterClrMapping/>
+  </p:clrMapOvr>
+</p:sld>
+</file>
+
+<file path=ppt/slides/slide44.xml><?xml version="1.0" encoding="utf-8"?>
+<p:sld xmlns:a="http://schemas.openxmlformats.org/drawingml/2006/main" xmlns:r="http://schemas.openxmlformats.org/officeDocument/2006/relationships" xmlns:p="http://schemas.openxmlformats.org/presentationml/2006/main">
+  <p:cSld>
+    <p:spTree>
+      <p:nvGrpSpPr>
+        <p:cNvPr id="1" name=""/>
+        <p:cNvGrpSpPr/>
+        <p:nvPr/>
+      </p:nvGrpSpPr>
+      <p:grpSpPr>
+        <a:xfrm>
+          <a:off x="0" y="0"/>
+          <a:ext cx="0" cy="0"/>
+          <a:chOff x="0" y="0"/>
+          <a:chExt cx="0" cy="0"/>
+        </a:xfrm>
+      </p:grpSpPr>
+      <p:sp>
+        <p:nvSpPr>
+          <p:cNvPr id="2" name="Title 1">
+            <a:extLst>
+              <a:ext uri="{FF2B5EF4-FFF2-40B4-BE49-F238E27FC236}">
+                <a16:creationId xmlns:a16="http://schemas.microsoft.com/office/drawing/2014/main" id="{5BC8BA6A-7428-44EC-89E8-F6FEB2C4268B}"/>
+              </a:ext>
+            </a:extLst>
+          </p:cNvPr>
+          <p:cNvSpPr>
+            <a:spLocks noGrp="1"/>
+          </p:cNvSpPr>
+          <p:nvPr>
+            <p:ph type="title"/>
+          </p:nvPr>
+        </p:nvSpPr>
+        <p:spPr/>
+        <p:txBody>
+          <a:bodyPr/>
+          <a:lstStyle/>
+          <a:p>
+            <a:r>
+              <a:rPr lang="en-IN" dirty="0"/>
+              <a:t>How to consume WCF Components?</a:t>
+            </a:r>
+          </a:p>
+        </p:txBody>
+      </p:sp>
+      <p:sp>
+        <p:nvSpPr>
+          <p:cNvPr id="3" name="Content Placeholder 2">
+            <a:extLst>
+              <a:ext uri="{FF2B5EF4-FFF2-40B4-BE49-F238E27FC236}">
+                <a16:creationId xmlns:a16="http://schemas.microsoft.com/office/drawing/2014/main" id="{D5ADF9E9-25C3-4616-955F-9A6CCCE5FFD0}"/>
+              </a:ext>
+            </a:extLst>
+          </p:cNvPr>
+          <p:cNvSpPr>
+            <a:spLocks noGrp="1"/>
+          </p:cNvSpPr>
+          <p:nvPr>
+            <p:ph idx="1"/>
+          </p:nvPr>
+        </p:nvSpPr>
+        <p:spPr/>
+        <p:txBody>
+          <a:bodyPr/>
+          <a:lstStyle/>
+          <a:p>
+            <a:r>
+              <a:rPr lang="en-IN" dirty="0"/>
+              <a:t>Service Reference. </a:t>
+            </a:r>
+          </a:p>
+          <a:p>
+            <a:r>
+              <a:rPr lang="en-IN" dirty="0" err="1"/>
+              <a:t>MexHttpBinding</a:t>
+            </a:r>
+            <a:r>
+              <a:rPr lang="en-IN" dirty="0"/>
+              <a:t> will create the Proxy Classes for consuming the WCF Components. </a:t>
+            </a:r>
+          </a:p>
+          <a:p>
+            <a:r>
+              <a:rPr lang="en-IN" dirty="0"/>
+              <a:t>We add the service reference, create the proxy objects thro which we call the Service Methods. </a:t>
+            </a:r>
+          </a:p>
+        </p:txBody>
+      </p:sp>
+    </p:spTree>
+    <p:extLst>
+      <p:ext uri="{BB962C8B-B14F-4D97-AF65-F5344CB8AC3E}">
+        <p14:creationId xmlns:p14="http://schemas.microsoft.com/office/powerpoint/2010/main" val="2602326286"/>
+      </p:ext>
+    </p:extLst>
+  </p:cSld>
+  <p:clrMapOvr>
+    <a:masterClrMapping/>
+  </p:clrMapOvr>
+</p:sld>
+</file>
+
+<file path=ppt/slides/slide45.xml><?xml version="1.0" encoding="utf-8"?>
+<p:sld xmlns:a="http://schemas.openxmlformats.org/drawingml/2006/main" xmlns:r="http://schemas.openxmlformats.org/officeDocument/2006/relationships" xmlns:p="http://schemas.openxmlformats.org/presentationml/2006/main">
+  <p:cSld>
+    <p:spTree>
+      <p:nvGrpSpPr>
+        <p:cNvPr id="1" name=""/>
+        <p:cNvGrpSpPr/>
+        <p:nvPr/>
+      </p:nvGrpSpPr>
+      <p:grpSpPr>
+        <a:xfrm>
+          <a:off x="0" y="0"/>
+          <a:ext cx="0" cy="0"/>
+          <a:chOff x="0" y="0"/>
+          <a:chExt cx="0" cy="0"/>
+        </a:xfrm>
+      </p:grpSpPr>
+      <p:sp>
+        <p:nvSpPr>
+          <p:cNvPr id="2" name="Title 1">
+            <a:extLst>
+              <a:ext uri="{FF2B5EF4-FFF2-40B4-BE49-F238E27FC236}">
+                <a16:creationId xmlns:a16="http://schemas.microsoft.com/office/drawing/2014/main" id="{DD16712D-A8A6-4A44-BF4D-A906FB9FBB52}"/>
+              </a:ext>
+            </a:extLst>
+          </p:cNvPr>
+          <p:cNvSpPr>
+            <a:spLocks noGrp="1"/>
+          </p:cNvSpPr>
+          <p:nvPr>
+            <p:ph type="title"/>
+          </p:nvPr>
+        </p:nvSpPr>
+        <p:spPr/>
+        <p:txBody>
+          <a:bodyPr/>
+          <a:lstStyle/>
+          <a:p>
+            <a:r>
+              <a:rPr lang="en-IN" dirty="0"/>
+              <a:t>Web API	</a:t>
+            </a:r>
+          </a:p>
+        </p:txBody>
+      </p:sp>
+      <p:sp>
+        <p:nvSpPr>
+          <p:cNvPr id="3" name="Content Placeholder 2">
+            <a:extLst>
+              <a:ext uri="{FF2B5EF4-FFF2-40B4-BE49-F238E27FC236}">
+                <a16:creationId xmlns:a16="http://schemas.microsoft.com/office/drawing/2014/main" id="{2633247F-0EF6-4025-AEA1-373A756A00CA}"/>
+              </a:ext>
+            </a:extLst>
+          </p:cNvPr>
+          <p:cNvSpPr>
+            <a:spLocks noGrp="1"/>
+          </p:cNvSpPr>
+          <p:nvPr>
+            <p:ph idx="1"/>
+          </p:nvPr>
+        </p:nvSpPr>
+        <p:spPr/>
+        <p:txBody>
+          <a:bodyPr/>
+          <a:lstStyle/>
+          <a:p>
+            <a:r>
+              <a:rPr lang="en-IN" dirty="0"/>
+              <a:t>Allowing Functions access thro HTTP Verbs: GET, PUT, POST, DELETE.</a:t>
+            </a:r>
+          </a:p>
+          <a:p>
+            <a:r>
+              <a:rPr lang="en-IN" dirty="0"/>
+              <a:t>Suited for Web centric JS Applications which don’t have APIs to perform IO Operations. </a:t>
+            </a:r>
+          </a:p>
+          <a:p>
+            <a:r>
+              <a:rPr lang="en-IN" dirty="0"/>
+              <a:t>Server side Scripting Apps will expose the Functions as REST Services. In .NET REST Services are implementing using Web API. </a:t>
+            </a:r>
+          </a:p>
+          <a:p>
+            <a:r>
+              <a:rPr lang="en-IN" dirty="0"/>
+              <a:t>JS Applications will use HTTP with Ajax(Asynchronous JS and XML) to make calls these APIs and get the data. This data is used in the Applications. </a:t>
+            </a:r>
+          </a:p>
+          <a:p>
+            <a:r>
+              <a:rPr lang="en-IN" dirty="0"/>
+              <a:t>Web API development in .NET is similar to ASP.NET Web Application development. </a:t>
+            </a:r>
+          </a:p>
+          <a:p>
+            <a:r>
+              <a:rPr lang="en-IN" dirty="0"/>
+              <a:t>The </a:t>
+            </a:r>
+            <a:r>
+              <a:rPr lang="en-IN" dirty="0" err="1"/>
+              <a:t>PipeLine</a:t>
+            </a:r>
+            <a:r>
+              <a:rPr lang="en-IN" dirty="0"/>
+              <a:t> for executing Web API inside the IIS is similar to that of MVC and ASP.NET Web forms. </a:t>
+            </a:r>
+          </a:p>
+          <a:p>
+            <a:r>
+              <a:rPr lang="en-IN" dirty="0"/>
+              <a:t>All Controllers of Web API are classes derived from </a:t>
+            </a:r>
+            <a:r>
+              <a:rPr lang="en-IN" dirty="0" err="1"/>
+              <a:t>System.Web.Http.ApiController</a:t>
+            </a:r>
+            <a:r>
+              <a:rPr lang="en-IN" dirty="0"/>
+              <a:t>. 	</a:t>
+            </a:r>
+          </a:p>
+          <a:p>
+            <a:endParaRPr lang="en-IN" dirty="0"/>
+          </a:p>
+        </p:txBody>
+      </p:sp>
+    </p:spTree>
+    <p:extLst>
+      <p:ext uri="{BB962C8B-B14F-4D97-AF65-F5344CB8AC3E}">
+        <p14:creationId xmlns:p14="http://schemas.microsoft.com/office/powerpoint/2010/main" val="2688675665"/>
+      </p:ext>
+    </p:extLst>
+  </p:cSld>
+  <p:clrMapOvr>
+    <a:masterClrMapping/>
+  </p:clrMapOvr>
+</p:sld>
+</file>
+
+<file path=ppt/slides/slide46.xml><?xml version="1.0" encoding="utf-8"?>
+<p:sld xmlns:a="http://schemas.openxmlformats.org/drawingml/2006/main" xmlns:r="http://schemas.openxmlformats.org/officeDocument/2006/relationships" xmlns:p="http://schemas.openxmlformats.org/presentationml/2006/main">
+  <p:cSld>
+    <p:spTree>
+      <p:nvGrpSpPr>
+        <p:cNvPr id="1" name=""/>
+        <p:cNvGrpSpPr/>
+        <p:nvPr/>
+      </p:nvGrpSpPr>
+      <p:grpSpPr>
+        <a:xfrm>
+          <a:off x="0" y="0"/>
+          <a:ext cx="0" cy="0"/>
+          <a:chOff x="0" y="0"/>
+          <a:chExt cx="0" cy="0"/>
+        </a:xfrm>
+      </p:grpSpPr>
+      <p:sp>
+        <p:nvSpPr>
+          <p:cNvPr id="2" name="Title 1">
+            <a:extLst>
+              <a:ext uri="{FF2B5EF4-FFF2-40B4-BE49-F238E27FC236}">
+                <a16:creationId xmlns:a16="http://schemas.microsoft.com/office/drawing/2014/main" id="{96770526-3BF3-4E4B-8A5A-9EE6D94B03E5}"/>
+              </a:ext>
+            </a:extLst>
+          </p:cNvPr>
+          <p:cNvSpPr>
+            <a:spLocks noGrp="1"/>
+          </p:cNvSpPr>
+          <p:nvPr>
+            <p:ph type="title"/>
+          </p:nvPr>
+        </p:nvSpPr>
+        <p:spPr/>
+        <p:txBody>
+          <a:bodyPr/>
+          <a:lstStyle/>
+          <a:p>
+            <a:r>
+              <a:rPr lang="en-IN" dirty="0"/>
+              <a:t>Unit Testing in C#</a:t>
+            </a:r>
+          </a:p>
+        </p:txBody>
+      </p:sp>
+      <p:sp>
+        <p:nvSpPr>
+          <p:cNvPr id="3" name="Content Placeholder 2">
+            <a:extLst>
+              <a:ext uri="{FF2B5EF4-FFF2-40B4-BE49-F238E27FC236}">
+                <a16:creationId xmlns:a16="http://schemas.microsoft.com/office/drawing/2014/main" id="{5C34AFF5-1033-4EFA-B287-56261F436DC9}"/>
+              </a:ext>
+            </a:extLst>
+          </p:cNvPr>
+          <p:cNvSpPr>
+            <a:spLocks noGrp="1"/>
+          </p:cNvSpPr>
+          <p:nvPr>
+            <p:ph idx="1"/>
+          </p:nvPr>
+        </p:nvSpPr>
+        <p:spPr/>
+        <p:txBody>
+          <a:bodyPr/>
+          <a:lstStyle/>
+          <a:p>
+            <a:r>
+              <a:rPr lang="en-IN" dirty="0"/>
+              <a:t>Allows to create Testing features to UR Code. </a:t>
+            </a:r>
+          </a:p>
+          <a:p>
+            <a:r>
+              <a:rPr lang="en-IN" dirty="0"/>
+              <a:t>UR code only will be tested. </a:t>
+            </a:r>
+          </a:p>
+          <a:p>
+            <a:r>
+              <a:rPr lang="en-IN" dirty="0"/>
+              <a:t>Code is divided into Units and each unit is tested using Testing Framework. </a:t>
+            </a:r>
+          </a:p>
+          <a:p>
+            <a:r>
+              <a:rPr lang="en-IN" dirty="0"/>
+              <a:t>Attributes are used to define the Test cases.</a:t>
+            </a:r>
+          </a:p>
+          <a:p>
+            <a:r>
+              <a:rPr lang="en-IN" dirty="0"/>
+              <a:t>A Class that contains Unit tests is called as Test Class which has an attribute called </a:t>
+            </a:r>
+            <a:r>
+              <a:rPr lang="en-IN" dirty="0" err="1"/>
+              <a:t>TestClass</a:t>
+            </a:r>
+            <a:endParaRPr lang="en-IN" dirty="0"/>
+          </a:p>
+          <a:p>
+            <a:r>
+              <a:rPr lang="en-IN" dirty="0"/>
+              <a:t>Every Testing method will have attribute called </a:t>
+            </a:r>
+            <a:r>
+              <a:rPr lang="en-IN" dirty="0" err="1"/>
+              <a:t>TestMethod</a:t>
+            </a:r>
+            <a:r>
+              <a:rPr lang="en-IN" dirty="0"/>
+              <a:t>. </a:t>
+            </a:r>
+          </a:p>
+          <a:p>
+            <a:r>
+              <a:rPr lang="en-IN" dirty="0"/>
+              <a:t>Test Methods are void methods with no </a:t>
+            </a:r>
+            <a:r>
+              <a:rPr lang="en-IN" dirty="0" err="1"/>
+              <a:t>args</a:t>
+            </a:r>
+            <a:r>
+              <a:rPr lang="en-IN" dirty="0"/>
+              <a:t>. They are automated to be invoked with no </a:t>
+            </a:r>
+            <a:r>
+              <a:rPr lang="en-IN" dirty="0" err="1"/>
+              <a:t>args</a:t>
+            </a:r>
+            <a:r>
+              <a:rPr lang="en-IN" dirty="0"/>
+              <a:t> and no return values.</a:t>
+            </a:r>
+          </a:p>
+          <a:p>
+            <a:r>
+              <a:rPr lang="en-IN"/>
+              <a:t>Example. </a:t>
+            </a:r>
+          </a:p>
+          <a:p>
+            <a:endParaRPr lang="en-IN" dirty="0"/>
+          </a:p>
+        </p:txBody>
+      </p:sp>
+    </p:spTree>
+    <p:extLst>
+      <p:ext uri="{BB962C8B-B14F-4D97-AF65-F5344CB8AC3E}">
+        <p14:creationId xmlns:p14="http://schemas.microsoft.com/office/powerpoint/2010/main" val="2390437644"/>
       </p:ext>
     </p:extLst>
   </p:cSld>
